--- a/slides/Unit25_Tower of Hanoi.pptx
+++ b/slides/Unit25_Tower of Hanoi.pptx
@@ -5,10 +5,10 @@
     <p:sldMasterId id="2147485087" r:id="rId1"/>
   </p:sldMasterIdLst>
   <p:notesMasterIdLst>
-    <p:notesMasterId r:id="rId30"/>
+    <p:notesMasterId r:id="rId31"/>
   </p:notesMasterIdLst>
   <p:handoutMasterIdLst>
-    <p:handoutMasterId r:id="rId31"/>
+    <p:handoutMasterId r:id="rId32"/>
   </p:handoutMasterIdLst>
   <p:sldIdLst>
     <p:sldId id="256" r:id="rId2"/>
@@ -22,23 +22,24 @@
     <p:sldId id="600" r:id="rId10"/>
     <p:sldId id="599" r:id="rId11"/>
     <p:sldId id="601" r:id="rId12"/>
-    <p:sldId id="609" r:id="rId13"/>
-    <p:sldId id="610" r:id="rId14"/>
-    <p:sldId id="611" r:id="rId15"/>
-    <p:sldId id="612" r:id="rId16"/>
-    <p:sldId id="614" r:id="rId17"/>
-    <p:sldId id="615" r:id="rId18"/>
-    <p:sldId id="616" r:id="rId19"/>
-    <p:sldId id="617" r:id="rId20"/>
-    <p:sldId id="618" r:id="rId21"/>
-    <p:sldId id="619" r:id="rId22"/>
-    <p:sldId id="620" r:id="rId23"/>
-    <p:sldId id="613" r:id="rId24"/>
-    <p:sldId id="621" r:id="rId25"/>
-    <p:sldId id="622" r:id="rId26"/>
-    <p:sldId id="623" r:id="rId27"/>
-    <p:sldId id="624" r:id="rId28"/>
-    <p:sldId id="625" r:id="rId29"/>
+    <p:sldId id="626" r:id="rId13"/>
+    <p:sldId id="609" r:id="rId14"/>
+    <p:sldId id="610" r:id="rId15"/>
+    <p:sldId id="611" r:id="rId16"/>
+    <p:sldId id="612" r:id="rId17"/>
+    <p:sldId id="614" r:id="rId18"/>
+    <p:sldId id="615" r:id="rId19"/>
+    <p:sldId id="616" r:id="rId20"/>
+    <p:sldId id="617" r:id="rId21"/>
+    <p:sldId id="618" r:id="rId22"/>
+    <p:sldId id="619" r:id="rId23"/>
+    <p:sldId id="620" r:id="rId24"/>
+    <p:sldId id="613" r:id="rId25"/>
+    <p:sldId id="621" r:id="rId26"/>
+    <p:sldId id="622" r:id="rId27"/>
+    <p:sldId id="623" r:id="rId28"/>
+    <p:sldId id="624" r:id="rId29"/>
+    <p:sldId id="625" r:id="rId30"/>
   </p:sldIdLst>
   <p:sldSz cx="9144000" cy="6858000" type="screen4x3"/>
   <p:notesSz cx="7010400" cy="9296400"/>
@@ -203,7 +204,7 @@
 <file path=ppt/revisionInfo.xml><?xml version="1.0" encoding="utf-8"?>
 <p1510:revInfo xmlns:a="http://schemas.openxmlformats.org/drawingml/2006/main" xmlns:r="http://schemas.openxmlformats.org/officeDocument/2006/relationships" xmlns:p1510="http://schemas.microsoft.com/office/powerpoint/2015/10/main">
   <p1510:revLst>
-    <p1510:client id="{CCD631C3-D91E-4641-ACDC-389C8C611FC7}" v="143" dt="2021-03-15T04:48:40.300"/>
+    <p1510:client id="{CCD631C3-D91E-4641-ACDC-389C8C611FC7}" v="170" dt="2021-03-29T05:05:44.543"/>
   </p1510:revLst>
 </p1510:revInfo>
 </file>
@@ -5051,7 +5052,7 @@
   <pc:docChgLst>
     <pc:chgData name="Zhao Jin" userId="cd05a825-544c-438a-9ba1-08e63db50b47" providerId="ADAL" clId="{CCD631C3-D91E-4641-ACDC-389C8C611FC7}"/>
     <pc:docChg chg="undo custSel addSld delSld modSld sldOrd modMainMaster">
-      <pc:chgData name="Zhao Jin" userId="cd05a825-544c-438a-9ba1-08e63db50b47" providerId="ADAL" clId="{CCD631C3-D91E-4641-ACDC-389C8C611FC7}" dt="2021-03-15T04:48:43.448" v="1447" actId="1076"/>
+      <pc:chgData name="Zhao Jin" userId="cd05a825-544c-438a-9ba1-08e63db50b47" providerId="ADAL" clId="{CCD631C3-D91E-4641-ACDC-389C8C611FC7}" dt="2021-03-29T05:05:15.143" v="2601" actId="1035"/>
       <pc:docMkLst>
         <pc:docMk/>
       </pc:docMkLst>
@@ -5186,7 +5187,7 @@
         </pc:spChg>
       </pc:sldChg>
       <pc:sldChg chg="delSp modSp add mod">
-        <pc:chgData name="Zhao Jin" userId="cd05a825-544c-438a-9ba1-08e63db50b47" providerId="ADAL" clId="{CCD631C3-D91E-4641-ACDC-389C8C611FC7}" dt="2021-03-15T04:28:57.920" v="501" actId="478"/>
+        <pc:chgData name="Zhao Jin" userId="cd05a825-544c-438a-9ba1-08e63db50b47" providerId="ADAL" clId="{CCD631C3-D91E-4641-ACDC-389C8C611FC7}" dt="2021-03-29T04:53:54.033" v="1453" actId="20577"/>
         <pc:sldMkLst>
           <pc:docMk/>
           <pc:sldMk cId="52021965" sldId="590"/>
@@ -5199,6 +5200,14 @@
             <ac:spMk id="7" creationId="{00000000-0000-0000-0000-000000000000}"/>
           </ac:spMkLst>
         </pc:spChg>
+        <pc:spChg chg="mod">
+          <ac:chgData name="Zhao Jin" userId="cd05a825-544c-438a-9ba1-08e63db50b47" providerId="ADAL" clId="{CCD631C3-D91E-4641-ACDC-389C8C611FC7}" dt="2021-03-29T04:53:54.033" v="1453" actId="20577"/>
+          <ac:spMkLst>
+            <pc:docMk/>
+            <pc:sldMk cId="52021965" sldId="590"/>
+            <ac:spMk id="14338" creationId="{00000000-0000-0000-0000-000000000000}"/>
+          </ac:spMkLst>
+        </pc:spChg>
         <pc:spChg chg="del">
           <ac:chgData name="Zhao Jin" userId="cd05a825-544c-438a-9ba1-08e63db50b47" providerId="ADAL" clId="{CCD631C3-D91E-4641-ACDC-389C8C611FC7}" dt="2021-03-15T04:28:57.920" v="501" actId="478"/>
           <ac:spMkLst>
@@ -5209,7 +5218,7 @@
         </pc:spChg>
       </pc:sldChg>
       <pc:sldChg chg="delSp modSp add mod">
-        <pc:chgData name="Zhao Jin" userId="cd05a825-544c-438a-9ba1-08e63db50b47" providerId="ADAL" clId="{CCD631C3-D91E-4641-ACDC-389C8C611FC7}" dt="2021-03-15T04:28:22.745" v="490" actId="478"/>
+        <pc:chgData name="Zhao Jin" userId="cd05a825-544c-438a-9ba1-08e63db50b47" providerId="ADAL" clId="{CCD631C3-D91E-4641-ACDC-389C8C611FC7}" dt="2021-03-29T05:04:49.530" v="2570" actId="207"/>
         <pc:sldMkLst>
           <pc:docMk/>
           <pc:sldMk cId="375744792" sldId="591"/>
@@ -5223,6 +5232,14 @@
           </ac:spMkLst>
         </pc:spChg>
         <pc:spChg chg="mod">
+          <ac:chgData name="Zhao Jin" userId="cd05a825-544c-438a-9ba1-08e63db50b47" providerId="ADAL" clId="{CCD631C3-D91E-4641-ACDC-389C8C611FC7}" dt="2021-03-29T05:04:49.530" v="2570" actId="207"/>
+          <ac:spMkLst>
+            <pc:docMk/>
+            <pc:sldMk cId="375744792" sldId="591"/>
+            <ac:spMk id="34" creationId="{00000000-0000-0000-0000-000000000000}"/>
+          </ac:spMkLst>
+        </pc:spChg>
+        <pc:spChg chg="mod">
           <ac:chgData name="Zhao Jin" userId="cd05a825-544c-438a-9ba1-08e63db50b47" providerId="ADAL" clId="{CCD631C3-D91E-4641-ACDC-389C8C611FC7}" dt="2021-03-15T04:28:21.690" v="488" actId="20577"/>
           <ac:spMkLst>
             <pc:docMk/>
@@ -5240,7 +5257,7 @@
         </pc:spChg>
       </pc:sldChg>
       <pc:sldChg chg="delSp modSp add mod">
-        <pc:chgData name="Zhao Jin" userId="cd05a825-544c-438a-9ba1-08e63db50b47" providerId="ADAL" clId="{CCD631C3-D91E-4641-ACDC-389C8C611FC7}" dt="2021-03-15T04:28:27.650" v="495" actId="20577"/>
+        <pc:chgData name="Zhao Jin" userId="cd05a825-544c-438a-9ba1-08e63db50b47" providerId="ADAL" clId="{CCD631C3-D91E-4641-ACDC-389C8C611FC7}" dt="2021-03-29T05:05:15.143" v="2601" actId="1035"/>
         <pc:sldMkLst>
           <pc:docMk/>
           <pc:sldMk cId="2497011922" sldId="592"/>
@@ -5251,6 +5268,54 @@
             <pc:docMk/>
             <pc:sldMk cId="2497011922" sldId="592"/>
             <ac:spMk id="7" creationId="{00000000-0000-0000-0000-000000000000}"/>
+          </ac:spMkLst>
+        </pc:spChg>
+        <pc:spChg chg="mod">
+          <ac:chgData name="Zhao Jin" userId="cd05a825-544c-438a-9ba1-08e63db50b47" providerId="ADAL" clId="{CCD631C3-D91E-4641-ACDC-389C8C611FC7}" dt="2021-03-29T05:05:08.497" v="2580" actId="6549"/>
+          <ac:spMkLst>
+            <pc:docMk/>
+            <pc:sldMk cId="2497011922" sldId="592"/>
+            <ac:spMk id="8" creationId="{00000000-0000-0000-0000-000000000000}"/>
+          </ac:spMkLst>
+        </pc:spChg>
+        <pc:spChg chg="mod">
+          <ac:chgData name="Zhao Jin" userId="cd05a825-544c-438a-9ba1-08e63db50b47" providerId="ADAL" clId="{CCD631C3-D91E-4641-ACDC-389C8C611FC7}" dt="2021-03-29T05:05:06.137" v="2579" actId="6549"/>
+          <ac:spMkLst>
+            <pc:docMk/>
+            <pc:sldMk cId="2497011922" sldId="592"/>
+            <ac:spMk id="9" creationId="{00000000-0000-0000-0000-000000000000}"/>
+          </ac:spMkLst>
+        </pc:spChg>
+        <pc:spChg chg="mod">
+          <ac:chgData name="Zhao Jin" userId="cd05a825-544c-438a-9ba1-08e63db50b47" providerId="ADAL" clId="{CCD631C3-D91E-4641-ACDC-389C8C611FC7}" dt="2021-03-29T05:05:15.143" v="2601" actId="1035"/>
+          <ac:spMkLst>
+            <pc:docMk/>
+            <pc:sldMk cId="2497011922" sldId="592"/>
+            <ac:spMk id="10" creationId="{00000000-0000-0000-0000-000000000000}"/>
+          </ac:spMkLst>
+        </pc:spChg>
+        <pc:spChg chg="mod">
+          <ac:chgData name="Zhao Jin" userId="cd05a825-544c-438a-9ba1-08e63db50b47" providerId="ADAL" clId="{CCD631C3-D91E-4641-ACDC-389C8C611FC7}" dt="2021-03-29T05:05:15.143" v="2601" actId="1035"/>
+          <ac:spMkLst>
+            <pc:docMk/>
+            <pc:sldMk cId="2497011922" sldId="592"/>
+            <ac:spMk id="11" creationId="{00000000-0000-0000-0000-000000000000}"/>
+          </ac:spMkLst>
+        </pc:spChg>
+        <pc:spChg chg="mod">
+          <ac:chgData name="Zhao Jin" userId="cd05a825-544c-438a-9ba1-08e63db50b47" providerId="ADAL" clId="{CCD631C3-D91E-4641-ACDC-389C8C611FC7}" dt="2021-03-29T05:05:15.143" v="2601" actId="1035"/>
+          <ac:spMkLst>
+            <pc:docMk/>
+            <pc:sldMk cId="2497011922" sldId="592"/>
+            <ac:spMk id="13" creationId="{00000000-0000-0000-0000-000000000000}"/>
+          </ac:spMkLst>
+        </pc:spChg>
+        <pc:spChg chg="mod">
+          <ac:chgData name="Zhao Jin" userId="cd05a825-544c-438a-9ba1-08e63db50b47" providerId="ADAL" clId="{CCD631C3-D91E-4641-ACDC-389C8C611FC7}" dt="2021-03-29T05:05:15.143" v="2601" actId="1035"/>
+          <ac:spMkLst>
+            <pc:docMk/>
+            <pc:sldMk cId="2497011922" sldId="592"/>
+            <ac:spMk id="14" creationId="{00000000-0000-0000-0000-000000000000}"/>
           </ac:spMkLst>
         </pc:spChg>
         <pc:spChg chg="mod">
@@ -5371,7 +5436,7 @@
         </pc:spChg>
       </pc:sldChg>
       <pc:sldChg chg="delSp modSp add mod">
-        <pc:chgData name="Zhao Jin" userId="cd05a825-544c-438a-9ba1-08e63db50b47" providerId="ADAL" clId="{CCD631C3-D91E-4641-ACDC-389C8C611FC7}" dt="2021-03-15T04:29:29.180" v="521" actId="20577"/>
+        <pc:chgData name="Zhao Jin" userId="cd05a825-544c-438a-9ba1-08e63db50b47" providerId="ADAL" clId="{CCD631C3-D91E-4641-ACDC-389C8C611FC7}" dt="2021-03-29T05:03:08.668" v="2453"/>
         <pc:sldMkLst>
           <pc:docMk/>
           <pc:sldMk cId="1365241982" sldId="598"/>
@@ -5385,6 +5450,22 @@
           </ac:spMkLst>
         </pc:spChg>
         <pc:spChg chg="mod">
+          <ac:chgData name="Zhao Jin" userId="cd05a825-544c-438a-9ba1-08e63db50b47" providerId="ADAL" clId="{CCD631C3-D91E-4641-ACDC-389C8C611FC7}" dt="2021-03-29T05:03:02.519" v="2450"/>
+          <ac:spMkLst>
+            <pc:docMk/>
+            <pc:sldMk cId="1365241982" sldId="598"/>
+            <ac:spMk id="9" creationId="{00000000-0000-0000-0000-000000000000}"/>
+          </ac:spMkLst>
+        </pc:spChg>
+        <pc:spChg chg="mod">
+          <ac:chgData name="Zhao Jin" userId="cd05a825-544c-438a-9ba1-08e63db50b47" providerId="ADAL" clId="{CCD631C3-D91E-4641-ACDC-389C8C611FC7}" dt="2021-03-29T05:03:08.668" v="2453"/>
+          <ac:spMkLst>
+            <pc:docMk/>
+            <pc:sldMk cId="1365241982" sldId="598"/>
+            <ac:spMk id="14" creationId="{00000000-0000-0000-0000-000000000000}"/>
+          </ac:spMkLst>
+        </pc:spChg>
+        <pc:spChg chg="mod">
           <ac:chgData name="Zhao Jin" userId="cd05a825-544c-438a-9ba1-08e63db50b47" providerId="ADAL" clId="{CCD631C3-D91E-4641-ACDC-389C8C611FC7}" dt="2021-03-15T04:29:29.180" v="521" actId="20577"/>
           <ac:spMkLst>
             <pc:docMk/>
@@ -5402,7 +5483,7 @@
         </pc:spChg>
       </pc:sldChg>
       <pc:sldChg chg="delSp modSp add mod">
-        <pc:chgData name="Zhao Jin" userId="cd05a825-544c-438a-9ba1-08e63db50b47" providerId="ADAL" clId="{CCD631C3-D91E-4641-ACDC-389C8C611FC7}" dt="2021-03-15T04:30:15.284" v="547" actId="1035"/>
+        <pc:chgData name="Zhao Jin" userId="cd05a825-544c-438a-9ba1-08e63db50b47" providerId="ADAL" clId="{CCD631C3-D91E-4641-ACDC-389C8C611FC7}" dt="2021-03-29T05:03:22.658" v="2457"/>
         <pc:sldMkLst>
           <pc:docMk/>
           <pc:sldMk cId="2302344841" sldId="599"/>
@@ -5421,6 +5502,14 @@
             <pc:docMk/>
             <pc:sldMk cId="2302344841" sldId="599"/>
             <ac:spMk id="8" creationId="{00000000-0000-0000-0000-000000000000}"/>
+          </ac:spMkLst>
+        </pc:spChg>
+        <pc:spChg chg="mod">
+          <ac:chgData name="Zhao Jin" userId="cd05a825-544c-438a-9ba1-08e63db50b47" providerId="ADAL" clId="{CCD631C3-D91E-4641-ACDC-389C8C611FC7}" dt="2021-03-29T05:03:22.658" v="2457"/>
+          <ac:spMkLst>
+            <pc:docMk/>
+            <pc:sldMk cId="2302344841" sldId="599"/>
+            <ac:spMk id="10" creationId="{00000000-0000-0000-0000-000000000000}"/>
           </ac:spMkLst>
         </pc:spChg>
         <pc:spChg chg="mod">
@@ -6371,6 +6460,44 @@
             <ac:spMk id="14340" creationId="{00000000-0000-0000-0000-000000000000}"/>
           </ac:spMkLst>
         </pc:spChg>
+      </pc:sldChg>
+      <pc:sldChg chg="delSp modSp add mod delAnim">
+        <pc:chgData name="Zhao Jin" userId="cd05a825-544c-438a-9ba1-08e63db50b47" providerId="ADAL" clId="{CCD631C3-D91E-4641-ACDC-389C8C611FC7}" dt="2021-03-29T05:02:30.451" v="2444" actId="403"/>
+        <pc:sldMkLst>
+          <pc:docMk/>
+          <pc:sldMk cId="4000828616" sldId="626"/>
+        </pc:sldMkLst>
+        <pc:spChg chg="mod">
+          <ac:chgData name="Zhao Jin" userId="cd05a825-544c-438a-9ba1-08e63db50b47" providerId="ADAL" clId="{CCD631C3-D91E-4641-ACDC-389C8C611FC7}" dt="2021-03-29T05:02:30.451" v="2444" actId="403"/>
+          <ac:spMkLst>
+            <pc:docMk/>
+            <pc:sldMk cId="4000828616" sldId="626"/>
+            <ac:spMk id="8" creationId="{00000000-0000-0000-0000-000000000000}"/>
+          </ac:spMkLst>
+        </pc:spChg>
+        <pc:spChg chg="del">
+          <ac:chgData name="Zhao Jin" userId="cd05a825-544c-438a-9ba1-08e63db50b47" providerId="ADAL" clId="{CCD631C3-D91E-4641-ACDC-389C8C611FC7}" dt="2021-03-29T04:54:59.462" v="1503" actId="478"/>
+          <ac:spMkLst>
+            <pc:docMk/>
+            <pc:sldMk cId="4000828616" sldId="626"/>
+            <ac:spMk id="10" creationId="{00000000-0000-0000-0000-000000000000}"/>
+          </ac:spMkLst>
+        </pc:spChg>
+        <pc:spChg chg="mod">
+          <ac:chgData name="Zhao Jin" userId="cd05a825-544c-438a-9ba1-08e63db50b47" providerId="ADAL" clId="{CCD631C3-D91E-4641-ACDC-389C8C611FC7}" dt="2021-03-29T04:54:57.610" v="1502" actId="20577"/>
+          <ac:spMkLst>
+            <pc:docMk/>
+            <pc:sldMk cId="4000828616" sldId="626"/>
+            <ac:spMk id="14338" creationId="{00000000-0000-0000-0000-000000000000}"/>
+          </ac:spMkLst>
+        </pc:spChg>
+      </pc:sldChg>
+      <pc:sldChg chg="add del">
+        <pc:chgData name="Zhao Jin" userId="cd05a825-544c-438a-9ba1-08e63db50b47" providerId="ADAL" clId="{CCD631C3-D91E-4641-ACDC-389C8C611FC7}" dt="2021-03-29T04:54:29.871" v="1455"/>
+        <pc:sldMkLst>
+          <pc:docMk/>
+          <pc:sldMk cId="4149629702" sldId="626"/>
+        </pc:sldMkLst>
       </pc:sldChg>
       <pc:sldChg chg="modSp del">
         <pc:chgData name="Zhao Jin" userId="cd05a825-544c-438a-9ba1-08e63db50b47" providerId="ADAL" clId="{CCD631C3-D91E-4641-ACDC-389C8C611FC7}" dt="2021-03-15T04:14:44.736" v="43" actId="47"/>
@@ -10755,7 +10882,7 @@
               <a:pPr>
                 <a:defRPr/>
               </a:pPr>
-              <a:t>3/15/2021</a:t>
+              <a:t>3/29/2021</a:t>
             </a:fld>
             <a:endParaRPr lang="en-US" dirty="0"/>
           </a:p>
@@ -11423,7 +11550,7 @@
     </p:spTree>
     <p:extLst>
       <p:ext uri="{BB962C8B-B14F-4D97-AF65-F5344CB8AC3E}">
-        <p14:creationId xmlns:p14="http://schemas.microsoft.com/office/powerpoint/2010/main" val="3985006972"/>
+        <p14:creationId xmlns:p14="http://schemas.microsoft.com/office/powerpoint/2010/main" val="4046746080"/>
       </p:ext>
     </p:extLst>
   </p:cSld>
@@ -11540,7 +11667,7 @@
     </p:spTree>
     <p:extLst>
       <p:ext uri="{BB962C8B-B14F-4D97-AF65-F5344CB8AC3E}">
-        <p14:creationId xmlns:p14="http://schemas.microsoft.com/office/powerpoint/2010/main" val="50889407"/>
+        <p14:creationId xmlns:p14="http://schemas.microsoft.com/office/powerpoint/2010/main" val="3985006972"/>
       </p:ext>
     </p:extLst>
   </p:cSld>
@@ -11657,7 +11784,7 @@
     </p:spTree>
     <p:extLst>
       <p:ext uri="{BB962C8B-B14F-4D97-AF65-F5344CB8AC3E}">
-        <p14:creationId xmlns:p14="http://schemas.microsoft.com/office/powerpoint/2010/main" val="1794504330"/>
+        <p14:creationId xmlns:p14="http://schemas.microsoft.com/office/powerpoint/2010/main" val="50889407"/>
       </p:ext>
     </p:extLst>
   </p:cSld>
@@ -11774,7 +11901,7 @@
     </p:spTree>
     <p:extLst>
       <p:ext uri="{BB962C8B-B14F-4D97-AF65-F5344CB8AC3E}">
-        <p14:creationId xmlns:p14="http://schemas.microsoft.com/office/powerpoint/2010/main" val="947948939"/>
+        <p14:creationId xmlns:p14="http://schemas.microsoft.com/office/powerpoint/2010/main" val="1794504330"/>
       </p:ext>
     </p:extLst>
   </p:cSld>
@@ -11891,7 +12018,7 @@
     </p:spTree>
     <p:extLst>
       <p:ext uri="{BB962C8B-B14F-4D97-AF65-F5344CB8AC3E}">
-        <p14:creationId xmlns:p14="http://schemas.microsoft.com/office/powerpoint/2010/main" val="3373404673"/>
+        <p14:creationId xmlns:p14="http://schemas.microsoft.com/office/powerpoint/2010/main" val="947948939"/>
       </p:ext>
     </p:extLst>
   </p:cSld>
@@ -12008,7 +12135,7 @@
     </p:spTree>
     <p:extLst>
       <p:ext uri="{BB962C8B-B14F-4D97-AF65-F5344CB8AC3E}">
-        <p14:creationId xmlns:p14="http://schemas.microsoft.com/office/powerpoint/2010/main" val="2093252851"/>
+        <p14:creationId xmlns:p14="http://schemas.microsoft.com/office/powerpoint/2010/main" val="3373404673"/>
       </p:ext>
     </p:extLst>
   </p:cSld>
@@ -12125,7 +12252,7 @@
     </p:spTree>
     <p:extLst>
       <p:ext uri="{BB962C8B-B14F-4D97-AF65-F5344CB8AC3E}">
-        <p14:creationId xmlns:p14="http://schemas.microsoft.com/office/powerpoint/2010/main" val="1212860859"/>
+        <p14:creationId xmlns:p14="http://schemas.microsoft.com/office/powerpoint/2010/main" val="2093252851"/>
       </p:ext>
     </p:extLst>
   </p:cSld>
@@ -12242,7 +12369,7 @@
     </p:spTree>
     <p:extLst>
       <p:ext uri="{BB962C8B-B14F-4D97-AF65-F5344CB8AC3E}">
-        <p14:creationId xmlns:p14="http://schemas.microsoft.com/office/powerpoint/2010/main" val="1937361615"/>
+        <p14:creationId xmlns:p14="http://schemas.microsoft.com/office/powerpoint/2010/main" val="1212860859"/>
       </p:ext>
     </p:extLst>
   </p:cSld>
@@ -12476,7 +12603,7 @@
     </p:spTree>
     <p:extLst>
       <p:ext uri="{BB962C8B-B14F-4D97-AF65-F5344CB8AC3E}">
-        <p14:creationId xmlns:p14="http://schemas.microsoft.com/office/powerpoint/2010/main" val="4012353290"/>
+        <p14:creationId xmlns:p14="http://schemas.microsoft.com/office/powerpoint/2010/main" val="1937361615"/>
       </p:ext>
     </p:extLst>
   </p:cSld>
@@ -12593,7 +12720,7 @@
     </p:spTree>
     <p:extLst>
       <p:ext uri="{BB962C8B-B14F-4D97-AF65-F5344CB8AC3E}">
-        <p14:creationId xmlns:p14="http://schemas.microsoft.com/office/powerpoint/2010/main" val="661062595"/>
+        <p14:creationId xmlns:p14="http://schemas.microsoft.com/office/powerpoint/2010/main" val="4012353290"/>
       </p:ext>
     </p:extLst>
   </p:cSld>
@@ -12710,7 +12837,7 @@
     </p:spTree>
     <p:extLst>
       <p:ext uri="{BB962C8B-B14F-4D97-AF65-F5344CB8AC3E}">
-        <p14:creationId xmlns:p14="http://schemas.microsoft.com/office/powerpoint/2010/main" val="1907995645"/>
+        <p14:creationId xmlns:p14="http://schemas.microsoft.com/office/powerpoint/2010/main" val="661062595"/>
       </p:ext>
     </p:extLst>
   </p:cSld>
@@ -12827,7 +12954,7 @@
     </p:spTree>
     <p:extLst>
       <p:ext uri="{BB962C8B-B14F-4D97-AF65-F5344CB8AC3E}">
-        <p14:creationId xmlns:p14="http://schemas.microsoft.com/office/powerpoint/2010/main" val="3227832993"/>
+        <p14:creationId xmlns:p14="http://schemas.microsoft.com/office/powerpoint/2010/main" val="1907995645"/>
       </p:ext>
     </p:extLst>
   </p:cSld>
@@ -12944,7 +13071,7 @@
     </p:spTree>
     <p:extLst>
       <p:ext uri="{BB962C8B-B14F-4D97-AF65-F5344CB8AC3E}">
-        <p14:creationId xmlns:p14="http://schemas.microsoft.com/office/powerpoint/2010/main" val="2678240315"/>
+        <p14:creationId xmlns:p14="http://schemas.microsoft.com/office/powerpoint/2010/main" val="3227832993"/>
       </p:ext>
     </p:extLst>
   </p:cSld>
@@ -13061,7 +13188,7 @@
     </p:spTree>
     <p:extLst>
       <p:ext uri="{BB962C8B-B14F-4D97-AF65-F5344CB8AC3E}">
-        <p14:creationId xmlns:p14="http://schemas.microsoft.com/office/powerpoint/2010/main" val="3039951061"/>
+        <p14:creationId xmlns:p14="http://schemas.microsoft.com/office/powerpoint/2010/main" val="2678240315"/>
       </p:ext>
     </p:extLst>
   </p:cSld>
@@ -13178,7 +13305,7 @@
     </p:spTree>
     <p:extLst>
       <p:ext uri="{BB962C8B-B14F-4D97-AF65-F5344CB8AC3E}">
-        <p14:creationId xmlns:p14="http://schemas.microsoft.com/office/powerpoint/2010/main" val="1080313126"/>
+        <p14:creationId xmlns:p14="http://schemas.microsoft.com/office/powerpoint/2010/main" val="3039951061"/>
       </p:ext>
     </p:extLst>
   </p:cSld>
@@ -13295,6 +13422,123 @@
     </p:spTree>
     <p:extLst>
       <p:ext uri="{BB962C8B-B14F-4D97-AF65-F5344CB8AC3E}">
+        <p14:creationId xmlns:p14="http://schemas.microsoft.com/office/powerpoint/2010/main" val="1080313126"/>
+      </p:ext>
+    </p:extLst>
+  </p:cSld>
+  <p:clrMapOvr>
+    <a:masterClrMapping/>
+  </p:clrMapOvr>
+</p:notes>
+</file>
+
+<file path=ppt/notesSlides/notesSlide28.xml><?xml version="1.0" encoding="utf-8"?>
+<p:notes xmlns:a="http://schemas.openxmlformats.org/drawingml/2006/main" xmlns:r="http://schemas.openxmlformats.org/officeDocument/2006/relationships" xmlns:p="http://schemas.openxmlformats.org/presentationml/2006/main">
+  <p:cSld>
+    <p:spTree>
+      <p:nvGrpSpPr>
+        <p:cNvPr id="1" name=""/>
+        <p:cNvGrpSpPr/>
+        <p:nvPr/>
+      </p:nvGrpSpPr>
+      <p:grpSpPr>
+        <a:xfrm>
+          <a:off x="0" y="0"/>
+          <a:ext cx="0" cy="0"/>
+          <a:chOff x="0" y="0"/>
+          <a:chExt cx="0" cy="0"/>
+        </a:xfrm>
+      </p:grpSpPr>
+      <p:sp>
+        <p:nvSpPr>
+          <p:cNvPr id="64514" name="Rectangle 2"/>
+          <p:cNvSpPr>
+            <a:spLocks noGrp="1" noChangeArrowheads="1"/>
+          </p:cNvSpPr>
+          <p:nvPr>
+            <p:ph type="hdr" sz="quarter"/>
+          </p:nvPr>
+        </p:nvSpPr>
+        <p:spPr bwMode="auto">
+          <a:xfrm>
+            <a:off x="0" y="0"/>
+            <a:ext cx="3038786" cy="465341"/>
+          </a:xfrm>
+          <a:noFill/>
+          <a:ln>
+            <a:miter lim="800000"/>
+            <a:headEnd/>
+            <a:tailEnd/>
+          </a:ln>
+        </p:spPr>
+        <p:txBody>
+          <a:bodyPr wrap="square" numCol="1" anchor="t" anchorCtr="0" compatLnSpc="1">
+            <a:prstTxWarp prst="textNoShape">
+              <a:avLst/>
+            </a:prstTxWarp>
+          </a:bodyPr>
+          <a:lstStyle/>
+          <a:p>
+            <a:r>
+              <a:rPr lang="en-US"/>
+              <a:t>CS1010 Programming Methodology</a:t>
+            </a:r>
+          </a:p>
+        </p:txBody>
+      </p:sp>
+      <p:sp>
+        <p:nvSpPr>
+          <p:cNvPr id="64515" name="Rectangle 2"/>
+          <p:cNvSpPr>
+            <a:spLocks noGrp="1" noRot="1" noChangeAspect="1" noChangeArrowheads="1" noTextEdit="1"/>
+          </p:cNvSpPr>
+          <p:nvPr>
+            <p:ph type="sldImg"/>
+          </p:nvPr>
+        </p:nvSpPr>
+        <p:spPr bwMode="auto">
+          <a:xfrm>
+            <a:off x="1182688" y="696913"/>
+            <a:ext cx="4648200" cy="3486150"/>
+          </a:xfrm>
+          <a:noFill/>
+          <a:ln>
+            <a:solidFill>
+              <a:srgbClr val="000000"/>
+            </a:solidFill>
+            <a:miter lim="800000"/>
+            <a:headEnd/>
+            <a:tailEnd/>
+          </a:ln>
+        </p:spPr>
+      </p:sp>
+      <p:sp>
+        <p:nvSpPr>
+          <p:cNvPr id="64516" name="Rectangle 3"/>
+          <p:cNvSpPr>
+            <a:spLocks noGrp="1" noChangeArrowheads="1"/>
+          </p:cNvSpPr>
+          <p:nvPr>
+            <p:ph type="body" idx="1"/>
+          </p:nvPr>
+        </p:nvSpPr>
+        <p:spPr>
+          <a:ln w="9525"/>
+        </p:spPr>
+        <p:txBody>
+          <a:bodyPr/>
+          <a:lstStyle/>
+          <a:p>
+            <a:pPr eaLnBrk="1" hangingPunct="1">
+              <a:defRPr/>
+            </a:pPr>
+            <a:endParaRPr lang="en-US" dirty="0"/>
+          </a:p>
+        </p:txBody>
+      </p:sp>
+    </p:spTree>
+    <p:extLst>
+      <p:ext uri="{BB962C8B-B14F-4D97-AF65-F5344CB8AC3E}">
         <p14:creationId xmlns:p14="http://schemas.microsoft.com/office/powerpoint/2010/main" val="834057404"/>
       </p:ext>
     </p:extLst>
@@ -13305,7 +13549,7 @@
 </p:notes>
 </file>
 
-<file path=ppt/notesSlides/notesSlide28.xml><?xml version="1.0" encoding="utf-8"?>
+<file path=ppt/notesSlides/notesSlide29.xml><?xml version="1.0" encoding="utf-8"?>
 <p:notes xmlns:a="http://schemas.openxmlformats.org/drawingml/2006/main" xmlns:r="http://schemas.openxmlformats.org/officeDocument/2006/relationships" xmlns:p="http://schemas.openxmlformats.org/presentationml/2006/main">
   <p:cSld>
     <p:spTree>
@@ -18338,14 +18582,14 @@
               <a:defRPr/>
             </a:pPr>
             <a:r>
-              <a:rPr lang="en-US" sz="2000" b="1" dirty="0" err="1">
+              <a:rPr lang="en-US" sz="2000" b="1" dirty="0">
                 <a:solidFill>
                   <a:srgbClr val="0000FF"/>
                 </a:solidFill>
                 <a:latin typeface="Courier New" pitchFamily="49" charset="0"/>
                 <a:cs typeface="Courier New" pitchFamily="49" charset="0"/>
               </a:rPr>
-              <a:t>int</a:t>
+              <a:t>long</a:t>
             </a:r>
             <a:r>
               <a:rPr lang="en-US" sz="2000" b="1" dirty="0">
@@ -18355,14 +18599,14 @@
               <a:t> sumSq3(</a:t>
             </a:r>
             <a:r>
-              <a:rPr lang="en-US" sz="2000" b="1" dirty="0" err="1">
+              <a:rPr lang="en-US" sz="2000" b="1" dirty="0">
                 <a:solidFill>
                   <a:srgbClr val="0000FF"/>
                 </a:solidFill>
                 <a:latin typeface="Courier New" pitchFamily="49" charset="0"/>
                 <a:cs typeface="Courier New" pitchFamily="49" charset="0"/>
               </a:rPr>
-              <a:t>int</a:t>
+              <a:t>long</a:t>
             </a:r>
             <a:r>
               <a:rPr lang="en-US" sz="2000" b="1" dirty="0">
@@ -18372,14 +18616,14 @@
               <a:t> x, </a:t>
             </a:r>
             <a:r>
-              <a:rPr lang="en-US" sz="2000" b="1" dirty="0" err="1">
+              <a:rPr lang="en-US" sz="2000" b="1" dirty="0">
                 <a:solidFill>
                   <a:srgbClr val="0000FF"/>
                 </a:solidFill>
                 <a:latin typeface="Courier New" pitchFamily="49" charset="0"/>
                 <a:cs typeface="Courier New" pitchFamily="49" charset="0"/>
               </a:rPr>
-              <a:t>int</a:t>
+              <a:t>long</a:t>
             </a:r>
             <a:r>
               <a:rPr lang="en-US" sz="2000" b="1" dirty="0">
@@ -18406,14 +18650,14 @@
               <a:t>	</a:t>
             </a:r>
             <a:r>
-              <a:rPr lang="en-US" sz="2000" b="1" dirty="0" err="1">
+              <a:rPr lang="en-US" sz="2000" b="1" dirty="0">
                 <a:solidFill>
                   <a:srgbClr val="0000FF"/>
                 </a:solidFill>
                 <a:latin typeface="Courier New" pitchFamily="49" charset="0"/>
                 <a:cs typeface="Courier New" pitchFamily="49" charset="0"/>
               </a:rPr>
-              <a:t>int</a:t>
+              <a:t> long</a:t>
             </a:r>
             <a:r>
               <a:rPr lang="en-US" sz="2000" b="1" dirty="0">
@@ -21108,7 +21352,7 @@
                   <a:srgbClr val="0000FF"/>
                 </a:solidFill>
               </a:rPr>
-              <a:t>Tower Of Hanoi</a:t>
+              <a:t>Common Types of Recursion</a:t>
             </a:r>
           </a:p>
         </p:txBody>
@@ -21155,6 +21399,740 @@
                 <a:defRPr/>
               </a:pPr>
               <a:t>12</a:t>
+            </a:fld>
+            <a:endParaRPr sz="1200" dirty="0"/>
+          </a:p>
+        </p:txBody>
+      </p:sp>
+      <p:sp>
+        <p:nvSpPr>
+          <p:cNvPr id="12" name="[Date Placeholder 3]"/>
+          <p:cNvSpPr>
+            <a:spLocks noGrp="1"/>
+          </p:cNvSpPr>
+          <p:nvPr>
+            <p:ph type="dt" sz="half" idx="10"/>
+          </p:nvPr>
+        </p:nvSpPr>
+        <p:spPr>
+          <a:xfrm>
+            <a:off x="457200" y="18288"/>
+            <a:ext cx="2895600" cy="329184"/>
+          </a:xfrm>
+        </p:spPr>
+        <p:txBody>
+          <a:bodyPr/>
+          <a:lstStyle/>
+          <a:p>
+            <a:pPr>
+              <a:defRPr/>
+            </a:pPr>
+            <a:r>
+              <a:rPr lang="en-US" dirty="0"/>
+              <a:t>© NUS</a:t>
+            </a:r>
+          </a:p>
+        </p:txBody>
+      </p:sp>
+      <p:sp>
+        <p:nvSpPr>
+          <p:cNvPr id="8" name="Rectangle 3"/>
+          <p:cNvSpPr txBox="1">
+            <a:spLocks noChangeArrowheads="1"/>
+          </p:cNvSpPr>
+          <p:nvPr/>
+        </p:nvSpPr>
+        <p:spPr>
+          <a:xfrm>
+            <a:off x="457200" y="1214490"/>
+            <a:ext cx="8229600" cy="5643510"/>
+          </a:xfrm>
+          <a:prstGeom prst="rect">
+            <a:avLst/>
+          </a:prstGeom>
+        </p:spPr>
+        <p:txBody>
+          <a:bodyPr vert="horz" lIns="91440" tIns="45720" rIns="91440" bIns="45720" rtlCol="0">
+            <a:normAutofit fontScale="92500" lnSpcReduction="20000"/>
+          </a:bodyPr>
+          <a:lstStyle>
+            <a:lvl1pPr marL="182880" indent="-182880" algn="l" defTabSz="914400" rtl="0" eaLnBrk="1" latinLnBrk="0" hangingPunct="1">
+              <a:spcBef>
+                <a:spcPct val="20000"/>
+              </a:spcBef>
+              <a:buClr>
+                <a:schemeClr val="accent1"/>
+              </a:buClr>
+              <a:buSzPct val="85000"/>
+              <a:buFont typeface="Arial" pitchFamily="34" charset="0"/>
+              <a:buChar char="•"/>
+              <a:defRPr sz="2400" kern="1200">
+                <a:solidFill>
+                  <a:schemeClr val="tx1"/>
+                </a:solidFill>
+                <a:latin typeface="+mn-lt"/>
+                <a:ea typeface="+mn-ea"/>
+                <a:cs typeface="+mn-cs"/>
+              </a:defRPr>
+            </a:lvl1pPr>
+            <a:lvl2pPr marL="457200" indent="-182880" algn="l" defTabSz="914400" rtl="0" eaLnBrk="1" latinLnBrk="0" hangingPunct="1">
+              <a:spcBef>
+                <a:spcPct val="20000"/>
+              </a:spcBef>
+              <a:buClr>
+                <a:schemeClr val="accent1"/>
+              </a:buClr>
+              <a:buSzPct val="85000"/>
+              <a:buFont typeface="Arial" pitchFamily="34" charset="0"/>
+              <a:buChar char="•"/>
+              <a:defRPr sz="2000" kern="1200">
+                <a:solidFill>
+                  <a:schemeClr val="tx1"/>
+                </a:solidFill>
+                <a:latin typeface="+mn-lt"/>
+                <a:ea typeface="+mn-ea"/>
+                <a:cs typeface="+mn-cs"/>
+              </a:defRPr>
+            </a:lvl2pPr>
+            <a:lvl3pPr marL="731520" indent="-182880" algn="l" defTabSz="914400" rtl="0" eaLnBrk="1" latinLnBrk="0" hangingPunct="1">
+              <a:spcBef>
+                <a:spcPct val="20000"/>
+              </a:spcBef>
+              <a:buClr>
+                <a:schemeClr val="accent1"/>
+              </a:buClr>
+              <a:buSzPct val="90000"/>
+              <a:buFont typeface="Arial" pitchFamily="34" charset="0"/>
+              <a:buChar char="•"/>
+              <a:defRPr sz="1800" kern="1200">
+                <a:solidFill>
+                  <a:schemeClr val="tx1"/>
+                </a:solidFill>
+                <a:latin typeface="+mn-lt"/>
+                <a:ea typeface="+mn-ea"/>
+                <a:cs typeface="+mn-cs"/>
+              </a:defRPr>
+            </a:lvl3pPr>
+            <a:lvl4pPr marL="1005840" indent="-182880" algn="l" defTabSz="914400" rtl="0" eaLnBrk="1" latinLnBrk="0" hangingPunct="1">
+              <a:spcBef>
+                <a:spcPct val="20000"/>
+              </a:spcBef>
+              <a:buClr>
+                <a:schemeClr val="accent1"/>
+              </a:buClr>
+              <a:buFont typeface="Arial" pitchFamily="34" charset="0"/>
+              <a:buChar char="•"/>
+              <a:defRPr sz="1600" kern="1200">
+                <a:solidFill>
+                  <a:schemeClr val="tx1"/>
+                </a:solidFill>
+                <a:latin typeface="+mn-lt"/>
+                <a:ea typeface="+mn-ea"/>
+                <a:cs typeface="+mn-cs"/>
+              </a:defRPr>
+            </a:lvl4pPr>
+            <a:lvl5pPr marL="1188720" indent="-137160" algn="l" defTabSz="914400" rtl="0" eaLnBrk="1" latinLnBrk="0" hangingPunct="1">
+              <a:spcBef>
+                <a:spcPct val="20000"/>
+              </a:spcBef>
+              <a:buClr>
+                <a:schemeClr val="accent1"/>
+              </a:buClr>
+              <a:buSzPct val="100000"/>
+              <a:buFont typeface="Arial" pitchFamily="34" charset="0"/>
+              <a:buChar char="•"/>
+              <a:defRPr sz="1400" kern="1200" baseline="0">
+                <a:solidFill>
+                  <a:schemeClr val="tx1"/>
+                </a:solidFill>
+                <a:latin typeface="+mn-lt"/>
+                <a:ea typeface="+mn-ea"/>
+                <a:cs typeface="+mn-cs"/>
+              </a:defRPr>
+            </a:lvl5pPr>
+            <a:lvl6pPr marL="1371600" indent="-182880" algn="l" defTabSz="914400" rtl="0" eaLnBrk="1" latinLnBrk="0" hangingPunct="1">
+              <a:spcBef>
+                <a:spcPct val="20000"/>
+              </a:spcBef>
+              <a:buClr>
+                <a:schemeClr val="accent1"/>
+              </a:buClr>
+              <a:buFont typeface="Arial" pitchFamily="34" charset="0"/>
+              <a:buChar char="•"/>
+              <a:defRPr sz="1300" kern="1200">
+                <a:solidFill>
+                  <a:schemeClr val="tx1"/>
+                </a:solidFill>
+                <a:latin typeface="+mn-lt"/>
+                <a:ea typeface="+mn-ea"/>
+                <a:cs typeface="+mn-cs"/>
+              </a:defRPr>
+            </a:lvl6pPr>
+            <a:lvl7pPr marL="1554480" indent="-182880" algn="l" defTabSz="914400" rtl="0" eaLnBrk="1" latinLnBrk="0" hangingPunct="1">
+              <a:spcBef>
+                <a:spcPct val="20000"/>
+              </a:spcBef>
+              <a:buClr>
+                <a:schemeClr val="accent1"/>
+              </a:buClr>
+              <a:buFont typeface="Arial" pitchFamily="34" charset="0"/>
+              <a:buChar char="•"/>
+              <a:defRPr sz="1300" kern="1200">
+                <a:solidFill>
+                  <a:schemeClr val="tx1"/>
+                </a:solidFill>
+                <a:latin typeface="+mn-lt"/>
+                <a:ea typeface="+mn-ea"/>
+                <a:cs typeface="+mn-cs"/>
+              </a:defRPr>
+            </a:lvl7pPr>
+            <a:lvl8pPr marL="1737360" indent="-182880" algn="l" defTabSz="914400" rtl="0" eaLnBrk="1" latinLnBrk="0" hangingPunct="1">
+              <a:spcBef>
+                <a:spcPct val="20000"/>
+              </a:spcBef>
+              <a:buClr>
+                <a:schemeClr val="accent1"/>
+              </a:buClr>
+              <a:buFont typeface="Arial" pitchFamily="34" charset="0"/>
+              <a:buChar char="•"/>
+              <a:defRPr sz="1300" kern="1200">
+                <a:solidFill>
+                  <a:schemeClr val="tx1"/>
+                </a:solidFill>
+                <a:latin typeface="+mn-lt"/>
+                <a:ea typeface="+mn-ea"/>
+                <a:cs typeface="+mn-cs"/>
+              </a:defRPr>
+            </a:lvl8pPr>
+            <a:lvl9pPr marL="1920240" indent="-182880" algn="l" defTabSz="914400" rtl="0" eaLnBrk="1" latinLnBrk="0" hangingPunct="1">
+              <a:spcBef>
+                <a:spcPct val="20000"/>
+              </a:spcBef>
+              <a:buClr>
+                <a:schemeClr val="accent1"/>
+              </a:buClr>
+              <a:buFont typeface="Arial" pitchFamily="34" charset="0"/>
+              <a:buChar char="•"/>
+              <a:defRPr sz="1300" kern="1200">
+                <a:solidFill>
+                  <a:schemeClr val="tx1"/>
+                </a:solidFill>
+                <a:latin typeface="+mn-lt"/>
+                <a:ea typeface="+mn-ea"/>
+                <a:cs typeface="+mn-cs"/>
+              </a:defRPr>
+            </a:lvl9pPr>
+          </a:lstStyle>
+          <a:p>
+            <a:pPr marL="341313" indent="-341313" fontAlgn="auto">
+              <a:spcBef>
+                <a:spcPts val="1200"/>
+              </a:spcBef>
+              <a:spcAft>
+                <a:spcPts val="0"/>
+              </a:spcAft>
+              <a:buClr>
+                <a:schemeClr val="tx1">
+                  <a:lumMod val="90000"/>
+                  <a:lumOff val="10000"/>
+                </a:schemeClr>
+              </a:buClr>
+              <a:buSzPct val="100000"/>
+              <a:buFont typeface="Wingdings" panose="05000000000000000000" pitchFamily="2" charset="2"/>
+              <a:buChar char="§"/>
+            </a:pPr>
+            <a:r>
+              <a:rPr lang="en-US" sz="2600" dirty="0"/>
+              <a:t>Integers</a:t>
+            </a:r>
+          </a:p>
+          <a:p>
+            <a:pPr marL="615633" lvl="1" indent="-341313" fontAlgn="auto">
+              <a:spcBef>
+                <a:spcPts val="1200"/>
+              </a:spcBef>
+              <a:spcAft>
+                <a:spcPts val="0"/>
+              </a:spcAft>
+              <a:buClr>
+                <a:schemeClr val="tx1">
+                  <a:lumMod val="90000"/>
+                  <a:lumOff val="10000"/>
+                </a:schemeClr>
+              </a:buClr>
+              <a:buSzPct val="100000"/>
+              <a:buFont typeface="Wingdings" panose="05000000000000000000" pitchFamily="2" charset="2"/>
+              <a:buChar char="§"/>
+            </a:pPr>
+            <a:r>
+              <a:rPr lang="en-US" sz="2200" dirty="0"/>
+              <a:t>Base case:  a single digit or 0</a:t>
+            </a:r>
+          </a:p>
+          <a:p>
+            <a:pPr marL="615633" lvl="1" indent="-341313" fontAlgn="auto">
+              <a:spcBef>
+                <a:spcPts val="1200"/>
+              </a:spcBef>
+              <a:spcAft>
+                <a:spcPts val="0"/>
+              </a:spcAft>
+              <a:buClr>
+                <a:schemeClr val="tx1">
+                  <a:lumMod val="90000"/>
+                  <a:lumOff val="10000"/>
+                </a:schemeClr>
+              </a:buClr>
+              <a:buSzPct val="100000"/>
+              <a:buFont typeface="Wingdings" panose="05000000000000000000" pitchFamily="2" charset="2"/>
+              <a:buChar char="§"/>
+            </a:pPr>
+            <a:r>
+              <a:rPr lang="en-US" sz="2200" dirty="0"/>
+              <a:t>Recursive case: number – 1 or number / 10</a:t>
+            </a:r>
+          </a:p>
+          <a:p>
+            <a:pPr marL="615633" lvl="1" indent="-341313" fontAlgn="auto">
+              <a:spcBef>
+                <a:spcPts val="1200"/>
+              </a:spcBef>
+              <a:spcAft>
+                <a:spcPts val="0"/>
+              </a:spcAft>
+              <a:buClr>
+                <a:schemeClr val="tx1">
+                  <a:lumMod val="90000"/>
+                  <a:lumOff val="10000"/>
+                </a:schemeClr>
+              </a:buClr>
+              <a:buSzPct val="100000"/>
+              <a:buFont typeface="Wingdings" panose="05000000000000000000" pitchFamily="2" charset="2"/>
+              <a:buChar char="§"/>
+            </a:pPr>
+            <a:r>
+              <a:rPr lang="en-US" sz="2200" dirty="0"/>
+              <a:t>Example: factorial, </a:t>
+            </a:r>
+            <a:r>
+              <a:rPr lang="en-US" sz="2200" dirty="0" err="1"/>
+              <a:t>sumDigits</a:t>
+            </a:r>
+            <a:endParaRPr lang="en-US" sz="2200" dirty="0"/>
+          </a:p>
+          <a:p>
+            <a:pPr marL="341313" indent="-341313" fontAlgn="auto">
+              <a:spcBef>
+                <a:spcPts val="1200"/>
+              </a:spcBef>
+              <a:spcAft>
+                <a:spcPts val="0"/>
+              </a:spcAft>
+              <a:buClr>
+                <a:schemeClr val="tx1">
+                  <a:lumMod val="90000"/>
+                  <a:lumOff val="10000"/>
+                </a:schemeClr>
+              </a:buClr>
+              <a:buSzPct val="100000"/>
+              <a:buFont typeface="Wingdings" panose="05000000000000000000" pitchFamily="2" charset="2"/>
+              <a:buChar char="§"/>
+            </a:pPr>
+            <a:endParaRPr lang="en-US" sz="600" dirty="0"/>
+          </a:p>
+          <a:p>
+            <a:pPr marL="341313" indent="-341313" fontAlgn="auto">
+              <a:spcBef>
+                <a:spcPts val="1200"/>
+              </a:spcBef>
+              <a:spcAft>
+                <a:spcPts val="0"/>
+              </a:spcAft>
+              <a:buClr>
+                <a:schemeClr val="tx1">
+                  <a:lumMod val="90000"/>
+                  <a:lumOff val="10000"/>
+                </a:schemeClr>
+              </a:buClr>
+              <a:buSzPct val="100000"/>
+              <a:buFont typeface="Wingdings" panose="05000000000000000000" pitchFamily="2" charset="2"/>
+              <a:buChar char="§"/>
+            </a:pPr>
+            <a:r>
+              <a:rPr lang="en-US" sz="2600" dirty="0"/>
+              <a:t>1D arrays (including strings)</a:t>
+            </a:r>
+          </a:p>
+          <a:p>
+            <a:pPr marL="615633" lvl="1" indent="-341313" fontAlgn="auto">
+              <a:spcBef>
+                <a:spcPts val="1200"/>
+              </a:spcBef>
+              <a:spcAft>
+                <a:spcPts val="0"/>
+              </a:spcAft>
+              <a:buClr>
+                <a:schemeClr val="tx1">
+                  <a:lumMod val="90000"/>
+                  <a:lumOff val="10000"/>
+                </a:schemeClr>
+              </a:buClr>
+              <a:buSzPct val="100000"/>
+              <a:buFont typeface="Wingdings" panose="05000000000000000000" pitchFamily="2" charset="2"/>
+              <a:buChar char="§"/>
+            </a:pPr>
+            <a:r>
+              <a:rPr lang="en-US" sz="2200" dirty="0"/>
+              <a:t>Base case: an array of 1 element or an empty array</a:t>
+            </a:r>
+          </a:p>
+          <a:p>
+            <a:pPr marL="615633" lvl="1" indent="-341313" fontAlgn="auto">
+              <a:spcBef>
+                <a:spcPts val="1200"/>
+              </a:spcBef>
+              <a:spcAft>
+                <a:spcPts val="0"/>
+              </a:spcAft>
+              <a:buClr>
+                <a:schemeClr val="tx1">
+                  <a:lumMod val="90000"/>
+                  <a:lumOff val="10000"/>
+                </a:schemeClr>
+              </a:buClr>
+              <a:buSzPct val="100000"/>
+              <a:buFont typeface="Wingdings" panose="05000000000000000000" pitchFamily="2" charset="2"/>
+              <a:buChar char="§"/>
+            </a:pPr>
+            <a:r>
+              <a:rPr lang="en-US" sz="2200" dirty="0"/>
+              <a:t>Recursive case: the array minus the first / last element or the left / right half of the elements.</a:t>
+            </a:r>
+          </a:p>
+          <a:p>
+            <a:pPr marL="615633" lvl="1" indent="-341313" fontAlgn="auto">
+              <a:spcBef>
+                <a:spcPts val="1200"/>
+              </a:spcBef>
+              <a:spcAft>
+                <a:spcPts val="0"/>
+              </a:spcAft>
+              <a:buClr>
+                <a:schemeClr val="tx1">
+                  <a:lumMod val="90000"/>
+                  <a:lumOff val="10000"/>
+                </a:schemeClr>
+              </a:buClr>
+              <a:buSzPct val="100000"/>
+              <a:buFont typeface="Wingdings" panose="05000000000000000000" pitchFamily="2" charset="2"/>
+              <a:buChar char="§"/>
+            </a:pPr>
+            <a:r>
+              <a:rPr lang="en-US" sz="2200" dirty="0"/>
+              <a:t>Example: </a:t>
+            </a:r>
+            <a:r>
+              <a:rPr lang="en-US" sz="2200" dirty="0" err="1"/>
+              <a:t>findMax</a:t>
+            </a:r>
+            <a:r>
+              <a:rPr lang="en-US" sz="2200" dirty="0"/>
+              <a:t>, </a:t>
+            </a:r>
+            <a:r>
+              <a:rPr lang="en-US" sz="2200" dirty="0" err="1"/>
+              <a:t>binarySearch</a:t>
+            </a:r>
+            <a:endParaRPr lang="en-US" sz="2200" dirty="0"/>
+          </a:p>
+          <a:p>
+            <a:pPr marL="615633" lvl="1" indent="-341313" fontAlgn="auto">
+              <a:spcBef>
+                <a:spcPts val="1200"/>
+              </a:spcBef>
+              <a:spcAft>
+                <a:spcPts val="0"/>
+              </a:spcAft>
+              <a:buClr>
+                <a:schemeClr val="tx1">
+                  <a:lumMod val="90000"/>
+                  <a:lumOff val="10000"/>
+                </a:schemeClr>
+              </a:buClr>
+              <a:buSzPct val="100000"/>
+              <a:buFont typeface="Wingdings" panose="05000000000000000000" pitchFamily="2" charset="2"/>
+              <a:buChar char="§"/>
+            </a:pPr>
+            <a:endParaRPr lang="en-US" sz="600" dirty="0"/>
+          </a:p>
+          <a:p>
+            <a:pPr marL="341313" indent="-341313" fontAlgn="auto">
+              <a:spcBef>
+                <a:spcPts val="1200"/>
+              </a:spcBef>
+              <a:spcAft>
+                <a:spcPts val="0"/>
+              </a:spcAft>
+              <a:buClr>
+                <a:schemeClr val="tx1">
+                  <a:lumMod val="90000"/>
+                  <a:lumOff val="10000"/>
+                </a:schemeClr>
+              </a:buClr>
+              <a:buSzPct val="100000"/>
+              <a:buFont typeface="Wingdings" panose="05000000000000000000" pitchFamily="2" charset="2"/>
+              <a:buChar char="§"/>
+            </a:pPr>
+            <a:r>
+              <a:rPr lang="en-US" sz="2600" dirty="0"/>
+              <a:t>2D arrays </a:t>
+            </a:r>
+          </a:p>
+          <a:p>
+            <a:pPr marL="615633" lvl="1" indent="-341313" fontAlgn="auto">
+              <a:spcBef>
+                <a:spcPts val="1200"/>
+              </a:spcBef>
+              <a:spcAft>
+                <a:spcPts val="0"/>
+              </a:spcAft>
+              <a:buClr>
+                <a:schemeClr val="tx1">
+                  <a:lumMod val="90000"/>
+                  <a:lumOff val="10000"/>
+                </a:schemeClr>
+              </a:buClr>
+              <a:buSzPct val="100000"/>
+              <a:buFont typeface="Wingdings" panose="05000000000000000000" pitchFamily="2" charset="2"/>
+              <a:buChar char="§"/>
+            </a:pPr>
+            <a:r>
+              <a:rPr lang="en-US" sz="2200" dirty="0"/>
+              <a:t>Base case: a single row / column or an empty array</a:t>
+            </a:r>
+          </a:p>
+          <a:p>
+            <a:pPr marL="615633" lvl="1" indent="-341313" fontAlgn="auto">
+              <a:spcBef>
+                <a:spcPts val="1200"/>
+              </a:spcBef>
+              <a:spcAft>
+                <a:spcPts val="0"/>
+              </a:spcAft>
+              <a:buClr>
+                <a:schemeClr val="tx1">
+                  <a:lumMod val="90000"/>
+                  <a:lumOff val="10000"/>
+                </a:schemeClr>
+              </a:buClr>
+              <a:buSzPct val="100000"/>
+              <a:buFont typeface="Wingdings" panose="05000000000000000000" pitchFamily="2" charset="2"/>
+              <a:buChar char="§"/>
+            </a:pPr>
+            <a:r>
+              <a:rPr lang="en-US" sz="2200" dirty="0"/>
+              <a:t>Recursive case: the array minus one row / column</a:t>
+            </a:r>
+          </a:p>
+          <a:p>
+            <a:pPr marL="615633" lvl="1" indent="-341313" fontAlgn="auto">
+              <a:spcBef>
+                <a:spcPts val="1200"/>
+              </a:spcBef>
+              <a:spcAft>
+                <a:spcPts val="0"/>
+              </a:spcAft>
+              <a:buClr>
+                <a:schemeClr val="tx1">
+                  <a:lumMod val="90000"/>
+                  <a:lumOff val="10000"/>
+                </a:schemeClr>
+              </a:buClr>
+              <a:buSzPct val="100000"/>
+              <a:buFont typeface="Wingdings" panose="05000000000000000000" pitchFamily="2" charset="2"/>
+              <a:buChar char="§"/>
+            </a:pPr>
+            <a:r>
+              <a:rPr lang="en-US" sz="2200" dirty="0"/>
+              <a:t>Example: </a:t>
+            </a:r>
+            <a:r>
+              <a:rPr lang="en-US" sz="2200" dirty="0" err="1"/>
+              <a:t>nQueens</a:t>
+            </a:r>
+            <a:endParaRPr lang="en-US" sz="2200" dirty="0"/>
+          </a:p>
+          <a:p>
+            <a:pPr marL="615633" lvl="1" indent="-341313" fontAlgn="auto">
+              <a:spcBef>
+                <a:spcPts val="1200"/>
+              </a:spcBef>
+              <a:spcAft>
+                <a:spcPts val="0"/>
+              </a:spcAft>
+              <a:buClr>
+                <a:schemeClr val="tx1">
+                  <a:lumMod val="90000"/>
+                  <a:lumOff val="10000"/>
+                </a:schemeClr>
+              </a:buClr>
+              <a:buSzPct val="100000"/>
+              <a:buFont typeface="Wingdings" panose="05000000000000000000" pitchFamily="2" charset="2"/>
+              <a:buChar char="§"/>
+            </a:pPr>
+            <a:endParaRPr lang="en-US" dirty="0"/>
+          </a:p>
+          <a:p>
+            <a:pPr marL="615633" lvl="1" indent="-341313" fontAlgn="auto">
+              <a:spcBef>
+                <a:spcPts val="1200"/>
+              </a:spcBef>
+              <a:spcAft>
+                <a:spcPts val="0"/>
+              </a:spcAft>
+              <a:buClr>
+                <a:schemeClr val="tx1">
+                  <a:lumMod val="90000"/>
+                  <a:lumOff val="10000"/>
+                </a:schemeClr>
+              </a:buClr>
+              <a:buSzPct val="100000"/>
+              <a:buFont typeface="Wingdings" panose="05000000000000000000" pitchFamily="2" charset="2"/>
+              <a:buChar char="§"/>
+            </a:pPr>
+            <a:endParaRPr lang="en-US" dirty="0"/>
+          </a:p>
+          <a:p>
+            <a:pPr marL="615633" lvl="1" indent="-341313" fontAlgn="auto">
+              <a:spcBef>
+                <a:spcPts val="1200"/>
+              </a:spcBef>
+              <a:spcAft>
+                <a:spcPts val="0"/>
+              </a:spcAft>
+              <a:buClr>
+                <a:schemeClr val="tx1">
+                  <a:lumMod val="90000"/>
+                  <a:lumOff val="10000"/>
+                </a:schemeClr>
+              </a:buClr>
+              <a:buSzPct val="100000"/>
+              <a:buFont typeface="Wingdings" panose="05000000000000000000" pitchFamily="2" charset="2"/>
+              <a:buChar char="§"/>
+            </a:pPr>
+            <a:endParaRPr lang="en-US" dirty="0"/>
+          </a:p>
+        </p:txBody>
+      </p:sp>
+    </p:spTree>
+    <p:extLst>
+      <p:ext uri="{BB962C8B-B14F-4D97-AF65-F5344CB8AC3E}">
+        <p14:creationId xmlns:p14="http://schemas.microsoft.com/office/powerpoint/2010/main" val="4000828616"/>
+      </p:ext>
+    </p:extLst>
+  </p:cSld>
+  <p:clrMapOvr>
+    <a:masterClrMapping/>
+  </p:clrMapOvr>
+  <p:transition>
+    <p:fade/>
+  </p:transition>
+</p:sld>
+</file>
+
+<file path=ppt/slides/slide13.xml><?xml version="1.0" encoding="utf-8"?>
+<p:sld xmlns:a="http://schemas.openxmlformats.org/drawingml/2006/main" xmlns:r="http://schemas.openxmlformats.org/officeDocument/2006/relationships" xmlns:p="http://schemas.openxmlformats.org/presentationml/2006/main">
+  <p:cSld>
+    <p:spTree>
+      <p:nvGrpSpPr>
+        <p:cNvPr id="1" name=""/>
+        <p:cNvGrpSpPr/>
+        <p:nvPr/>
+      </p:nvGrpSpPr>
+      <p:grpSpPr>
+        <a:xfrm>
+          <a:off x="0" y="0"/>
+          <a:ext cx="0" cy="0"/>
+          <a:chOff x="0" y="0"/>
+          <a:chExt cx="0" cy="0"/>
+        </a:xfrm>
+      </p:grpSpPr>
+      <p:sp>
+        <p:nvSpPr>
+          <p:cNvPr id="14338" name="Rectangle 2"/>
+          <p:cNvSpPr>
+            <a:spLocks noGrp="1" noChangeArrowheads="1"/>
+          </p:cNvSpPr>
+          <p:nvPr>
+            <p:ph type="title"/>
+          </p:nvPr>
+        </p:nvSpPr>
+        <p:spPr>
+          <a:xfrm>
+            <a:off x="533400" y="381000"/>
+            <a:ext cx="8382000" cy="838200"/>
+          </a:xfrm>
+        </p:spPr>
+        <p:txBody>
+          <a:bodyPr>
+            <a:normAutofit/>
+          </a:bodyPr>
+          <a:lstStyle/>
+          <a:p>
+            <a:pPr eaLnBrk="1" hangingPunct="1"/>
+            <a:r>
+              <a:rPr lang="en-GB" sz="3600" dirty="0">
+                <a:solidFill>
+                  <a:srgbClr val="0000FF"/>
+                </a:solidFill>
+              </a:rPr>
+              <a:t>Tower Of Hanoi</a:t>
+            </a:r>
+          </a:p>
+        </p:txBody>
+      </p:sp>
+      <p:sp>
+        <p:nvSpPr>
+          <p:cNvPr id="7" name="Slide Number Placeholder 6"/>
+          <p:cNvSpPr>
+            <a:spLocks noGrp="1"/>
+          </p:cNvSpPr>
+          <p:nvPr>
+            <p:ph type="sldNum" sz="quarter" idx="12"/>
+          </p:nvPr>
+        </p:nvSpPr>
+        <p:spPr/>
+        <p:txBody>
+          <a:bodyPr>
+            <a:normAutofit/>
+          </a:bodyPr>
+          <a:lstStyle/>
+          <a:p>
+            <a:pPr>
+              <a:defRPr/>
+            </a:pPr>
+            <a:r>
+              <a:rPr lang="en-US" sz="1200" dirty="0"/>
+              <a:t>Unit25</a:t>
+            </a:r>
+            <a:r>
+              <a:rPr sz="1200" dirty="0"/>
+              <a:t> </a:t>
+            </a:r>
+            <a:r>
+              <a:rPr lang="en-US" sz="1200" dirty="0"/>
+              <a:t>-</a:t>
+            </a:r>
+            <a:r>
+              <a:rPr sz="1200" dirty="0"/>
+              <a:t> </a:t>
+            </a:r>
+            <a:fld id="{F7EC234A-9094-4BB8-9EA4-75ECDA8A365B}" type="slidenum">
+              <a:rPr sz="1200" smtClean="0"/>
+              <a:pPr>
+                <a:defRPr/>
+              </a:pPr>
+              <a:t>13</a:t>
             </a:fld>
             <a:endParaRPr sz="1200" dirty="0"/>
           </a:p>
@@ -21365,354 +22343,6 @@
 </p:sld>
 </file>
 
-<file path=ppt/slides/slide13.xml><?xml version="1.0" encoding="utf-8"?>
-<p:sld xmlns:a="http://schemas.openxmlformats.org/drawingml/2006/main" xmlns:r="http://schemas.openxmlformats.org/officeDocument/2006/relationships" xmlns:p="http://schemas.openxmlformats.org/presentationml/2006/main">
-  <p:cSld>
-    <p:spTree>
-      <p:nvGrpSpPr>
-        <p:cNvPr id="1" name=""/>
-        <p:cNvGrpSpPr/>
-        <p:nvPr/>
-      </p:nvGrpSpPr>
-      <p:grpSpPr>
-        <a:xfrm>
-          <a:off x="0" y="0"/>
-          <a:ext cx="0" cy="0"/>
-          <a:chOff x="0" y="0"/>
-          <a:chExt cx="0" cy="0"/>
-        </a:xfrm>
-      </p:grpSpPr>
-      <p:sp>
-        <p:nvSpPr>
-          <p:cNvPr id="14338" name="Rectangle 2"/>
-          <p:cNvSpPr>
-            <a:spLocks noGrp="1" noChangeArrowheads="1"/>
-          </p:cNvSpPr>
-          <p:nvPr>
-            <p:ph type="title"/>
-          </p:nvPr>
-        </p:nvSpPr>
-        <p:spPr>
-          <a:xfrm>
-            <a:off x="533400" y="381000"/>
-            <a:ext cx="8382000" cy="838200"/>
-          </a:xfrm>
-        </p:spPr>
-        <p:txBody>
-          <a:bodyPr>
-            <a:normAutofit/>
-          </a:bodyPr>
-          <a:lstStyle/>
-          <a:p>
-            <a:pPr eaLnBrk="1" hangingPunct="1"/>
-            <a:r>
-              <a:rPr lang="en-GB" sz="3600" dirty="0">
-                <a:solidFill>
-                  <a:srgbClr val="0000FF"/>
-                </a:solidFill>
-              </a:rPr>
-              <a:t>Tower Of Hanoi</a:t>
-            </a:r>
-          </a:p>
-        </p:txBody>
-      </p:sp>
-      <p:sp>
-        <p:nvSpPr>
-          <p:cNvPr id="7" name="Slide Number Placeholder 6"/>
-          <p:cNvSpPr>
-            <a:spLocks noGrp="1"/>
-          </p:cNvSpPr>
-          <p:nvPr>
-            <p:ph type="sldNum" sz="quarter" idx="12"/>
-          </p:nvPr>
-        </p:nvSpPr>
-        <p:spPr/>
-        <p:txBody>
-          <a:bodyPr>
-            <a:normAutofit/>
-          </a:bodyPr>
-          <a:lstStyle/>
-          <a:p>
-            <a:pPr>
-              <a:defRPr/>
-            </a:pPr>
-            <a:r>
-              <a:rPr lang="en-US" sz="1200" dirty="0"/>
-              <a:t>Unit25</a:t>
-            </a:r>
-            <a:r>
-              <a:rPr sz="1200" dirty="0"/>
-              <a:t> </a:t>
-            </a:r>
-            <a:r>
-              <a:rPr lang="en-US" sz="1200" dirty="0"/>
-              <a:t>-</a:t>
-            </a:r>
-            <a:r>
-              <a:rPr sz="1200" dirty="0"/>
-              <a:t> </a:t>
-            </a:r>
-            <a:fld id="{F7EC234A-9094-4BB8-9EA4-75ECDA8A365B}" type="slidenum">
-              <a:rPr sz="1200" smtClean="0"/>
-              <a:pPr>
-                <a:defRPr/>
-              </a:pPr>
-              <a:t>13</a:t>
-            </a:fld>
-            <a:endParaRPr sz="1200" dirty="0"/>
-          </a:p>
-        </p:txBody>
-      </p:sp>
-      <p:sp>
-        <p:nvSpPr>
-          <p:cNvPr id="12" name="[Date Placeholder 3]"/>
-          <p:cNvSpPr>
-            <a:spLocks noGrp="1"/>
-          </p:cNvSpPr>
-          <p:nvPr>
-            <p:ph type="dt" sz="half" idx="10"/>
-          </p:nvPr>
-        </p:nvSpPr>
-        <p:spPr>
-          <a:xfrm>
-            <a:off x="457200" y="18288"/>
-            <a:ext cx="2895600" cy="329184"/>
-          </a:xfrm>
-        </p:spPr>
-        <p:txBody>
-          <a:bodyPr/>
-          <a:lstStyle/>
-          <a:p>
-            <a:pPr>
-              <a:defRPr/>
-            </a:pPr>
-            <a:r>
-              <a:rPr lang="en-US" dirty="0"/>
-              <a:t>© NUS</a:t>
-            </a:r>
-          </a:p>
-        </p:txBody>
-      </p:sp>
-      <p:sp>
-        <p:nvSpPr>
-          <p:cNvPr id="11" name="Content Placeholder 2"/>
-          <p:cNvSpPr>
-            <a:spLocks noGrp="1"/>
-          </p:cNvSpPr>
-          <p:nvPr>
-            <p:ph idx="1"/>
-          </p:nvPr>
-        </p:nvSpPr>
-        <p:spPr>
-          <a:xfrm>
-            <a:off x="468313" y="1286934"/>
-            <a:ext cx="8229600" cy="5080530"/>
-          </a:xfrm>
-        </p:spPr>
-        <p:txBody>
-          <a:bodyPr>
-            <a:normAutofit/>
-          </a:bodyPr>
-          <a:lstStyle/>
-          <a:p>
-            <a:pPr marL="338138" indent="-338138" algn="just">
-              <a:spcBef>
-                <a:spcPts val="600"/>
-              </a:spcBef>
-              <a:buClr>
-                <a:schemeClr val="tx1">
-                  <a:lumMod val="90000"/>
-                  <a:lumOff val="10000"/>
-                </a:schemeClr>
-              </a:buClr>
-              <a:buSzPct val="100000"/>
-              <a:buFont typeface="Wingdings" panose="05000000000000000000" pitchFamily="2" charset="2"/>
-              <a:buChar char="§"/>
-            </a:pPr>
-            <a:r>
-              <a:rPr lang="en-GB" sz="2400" dirty="0"/>
-              <a:t>Demo: </a:t>
-            </a:r>
-            <a:r>
-              <a:rPr lang="en-GB" sz="2400" dirty="0">
-                <a:hlinkClick r:id="rId3"/>
-              </a:rPr>
-              <a:t>Tower of Hanoi</a:t>
-            </a:r>
-            <a:endParaRPr lang="en-US" sz="2400" dirty="0"/>
-          </a:p>
-          <a:p>
-            <a:pPr marL="338138" indent="-338138" algn="just">
-              <a:spcBef>
-                <a:spcPts val="600"/>
-              </a:spcBef>
-              <a:buClr>
-                <a:schemeClr val="tx1">
-                  <a:lumMod val="90000"/>
-                  <a:lumOff val="10000"/>
-                </a:schemeClr>
-              </a:buClr>
-              <a:buSzPct val="100000"/>
-              <a:buFont typeface="Wingdings" panose="05000000000000000000" pitchFamily="2" charset="2"/>
-              <a:buChar char="§"/>
-            </a:pPr>
-            <a:r>
-              <a:rPr lang="en-US" sz="2400" dirty="0"/>
-              <a:t>We attempt to write a program to produce instructions on how to move the disks from peg A to peg C to complete the puzzle.</a:t>
-            </a:r>
-          </a:p>
-          <a:p>
-            <a:pPr marL="338138" indent="-338138" algn="just">
-              <a:spcBef>
-                <a:spcPts val="600"/>
-              </a:spcBef>
-              <a:buClr>
-                <a:schemeClr val="tx1">
-                  <a:lumMod val="90000"/>
-                  <a:lumOff val="10000"/>
-                </a:schemeClr>
-              </a:buClr>
-              <a:buSzPct val="100000"/>
-              <a:buFont typeface="Wingdings" panose="05000000000000000000" pitchFamily="2" charset="2"/>
-              <a:buChar char="§"/>
-            </a:pPr>
-            <a:r>
-              <a:rPr lang="en-US" sz="2400" dirty="0"/>
-              <a:t>Example: A tower with 3 disks.</a:t>
-            </a:r>
-          </a:p>
-          <a:p>
-            <a:pPr marL="338138" indent="-338138" algn="just">
-              <a:spcBef>
-                <a:spcPts val="600"/>
-              </a:spcBef>
-              <a:spcAft>
-                <a:spcPts val="600"/>
-              </a:spcAft>
-              <a:buClr>
-                <a:schemeClr val="tx1">
-                  <a:lumMod val="90000"/>
-                  <a:lumOff val="10000"/>
-                </a:schemeClr>
-              </a:buClr>
-              <a:buSzPct val="100000"/>
-              <a:buFont typeface="Wingdings" panose="05000000000000000000" pitchFamily="2" charset="2"/>
-              <a:buChar char="§"/>
-            </a:pPr>
-            <a:r>
-              <a:rPr lang="en-US" sz="2400" dirty="0"/>
-              <a:t>Output produced by program:</a:t>
-            </a:r>
-          </a:p>
-          <a:p>
-            <a:pPr lvl="1" algn="just">
-              <a:spcBef>
-                <a:spcPct val="10000"/>
-              </a:spcBef>
-              <a:buFont typeface="Wingdings" pitchFamily="2" charset="2"/>
-              <a:buNone/>
-            </a:pPr>
-            <a:r>
-              <a:rPr lang="en-US" sz="2000" dirty="0"/>
-              <a:t>	Move disk from A to C</a:t>
-            </a:r>
-          </a:p>
-          <a:p>
-            <a:pPr lvl="1" algn="just">
-              <a:spcBef>
-                <a:spcPct val="10000"/>
-              </a:spcBef>
-              <a:buFont typeface="Wingdings" pitchFamily="2" charset="2"/>
-              <a:buNone/>
-            </a:pPr>
-            <a:r>
-              <a:rPr lang="en-US" sz="2000" dirty="0"/>
-              <a:t>	Move disk from A to B</a:t>
-            </a:r>
-          </a:p>
-          <a:p>
-            <a:pPr lvl="1" algn="just">
-              <a:spcBef>
-                <a:spcPct val="10000"/>
-              </a:spcBef>
-              <a:buFont typeface="Wingdings" pitchFamily="2" charset="2"/>
-              <a:buNone/>
-            </a:pPr>
-            <a:r>
-              <a:rPr lang="en-US" sz="2000" dirty="0"/>
-              <a:t>	Move disk from C to B</a:t>
-            </a:r>
-          </a:p>
-          <a:p>
-            <a:pPr lvl="1" algn="just">
-              <a:spcBef>
-                <a:spcPct val="10000"/>
-              </a:spcBef>
-              <a:buFont typeface="Wingdings" pitchFamily="2" charset="2"/>
-              <a:buNone/>
-            </a:pPr>
-            <a:r>
-              <a:rPr lang="en-US" sz="2000" dirty="0"/>
-              <a:t>	Move disk from A to C</a:t>
-            </a:r>
-          </a:p>
-          <a:p>
-            <a:pPr lvl="1" algn="just">
-              <a:spcBef>
-                <a:spcPct val="10000"/>
-              </a:spcBef>
-              <a:buFont typeface="Wingdings" pitchFamily="2" charset="2"/>
-              <a:buNone/>
-            </a:pPr>
-            <a:r>
-              <a:rPr lang="en-US" sz="2000" dirty="0"/>
-              <a:t>	Move disk from B to A</a:t>
-            </a:r>
-          </a:p>
-          <a:p>
-            <a:pPr lvl="1" algn="just">
-              <a:spcBef>
-                <a:spcPct val="10000"/>
-              </a:spcBef>
-              <a:buFont typeface="Wingdings" pitchFamily="2" charset="2"/>
-              <a:buNone/>
-            </a:pPr>
-            <a:r>
-              <a:rPr lang="en-US" sz="2000" dirty="0"/>
-              <a:t>	Move disk from B to C</a:t>
-            </a:r>
-          </a:p>
-          <a:p>
-            <a:pPr lvl="1" algn="just">
-              <a:spcBef>
-                <a:spcPct val="10000"/>
-              </a:spcBef>
-              <a:buFont typeface="Wingdings" pitchFamily="2" charset="2"/>
-              <a:buNone/>
-            </a:pPr>
-            <a:r>
-              <a:rPr lang="en-US" sz="2000" dirty="0"/>
-              <a:t>	Move disk from A to C</a:t>
-            </a:r>
-          </a:p>
-        </p:txBody>
-      </p:sp>
-    </p:spTree>
-    <p:extLst>
-      <p:ext uri="{BB962C8B-B14F-4D97-AF65-F5344CB8AC3E}">
-        <p14:creationId xmlns:p14="http://schemas.microsoft.com/office/powerpoint/2010/main" val="2596011763"/>
-      </p:ext>
-    </p:extLst>
-  </p:cSld>
-  <p:clrMapOvr>
-    <a:masterClrMapping/>
-  </p:clrMapOvr>
-  <p:transition>
-    <p:fade/>
-  </p:transition>
-</p:sld>
-</file>
-
 <file path=ppt/slides/slide14.xml><?xml version="1.0" encoding="utf-8"?>
 <p:sld xmlns:a="http://schemas.openxmlformats.org/drawingml/2006/main" xmlns:r="http://schemas.openxmlformats.org/officeDocument/2006/relationships" xmlns:p="http://schemas.openxmlformats.org/presentationml/2006/main">
   <p:cSld>
@@ -21806,6 +22436,354 @@
                 <a:defRPr/>
               </a:pPr>
               <a:t>14</a:t>
+            </a:fld>
+            <a:endParaRPr sz="1200" dirty="0"/>
+          </a:p>
+        </p:txBody>
+      </p:sp>
+      <p:sp>
+        <p:nvSpPr>
+          <p:cNvPr id="12" name="[Date Placeholder 3]"/>
+          <p:cNvSpPr>
+            <a:spLocks noGrp="1"/>
+          </p:cNvSpPr>
+          <p:nvPr>
+            <p:ph type="dt" sz="half" idx="10"/>
+          </p:nvPr>
+        </p:nvSpPr>
+        <p:spPr>
+          <a:xfrm>
+            <a:off x="457200" y="18288"/>
+            <a:ext cx="2895600" cy="329184"/>
+          </a:xfrm>
+        </p:spPr>
+        <p:txBody>
+          <a:bodyPr/>
+          <a:lstStyle/>
+          <a:p>
+            <a:pPr>
+              <a:defRPr/>
+            </a:pPr>
+            <a:r>
+              <a:rPr lang="en-US" dirty="0"/>
+              <a:t>© NUS</a:t>
+            </a:r>
+          </a:p>
+        </p:txBody>
+      </p:sp>
+      <p:sp>
+        <p:nvSpPr>
+          <p:cNvPr id="11" name="Content Placeholder 2"/>
+          <p:cNvSpPr>
+            <a:spLocks noGrp="1"/>
+          </p:cNvSpPr>
+          <p:nvPr>
+            <p:ph idx="1"/>
+          </p:nvPr>
+        </p:nvSpPr>
+        <p:spPr>
+          <a:xfrm>
+            <a:off x="468313" y="1286934"/>
+            <a:ext cx="8229600" cy="5080530"/>
+          </a:xfrm>
+        </p:spPr>
+        <p:txBody>
+          <a:bodyPr>
+            <a:normAutofit/>
+          </a:bodyPr>
+          <a:lstStyle/>
+          <a:p>
+            <a:pPr marL="338138" indent="-338138" algn="just">
+              <a:spcBef>
+                <a:spcPts val="600"/>
+              </a:spcBef>
+              <a:buClr>
+                <a:schemeClr val="tx1">
+                  <a:lumMod val="90000"/>
+                  <a:lumOff val="10000"/>
+                </a:schemeClr>
+              </a:buClr>
+              <a:buSzPct val="100000"/>
+              <a:buFont typeface="Wingdings" panose="05000000000000000000" pitchFamily="2" charset="2"/>
+              <a:buChar char="§"/>
+            </a:pPr>
+            <a:r>
+              <a:rPr lang="en-GB" sz="2400" dirty="0"/>
+              <a:t>Demo: </a:t>
+            </a:r>
+            <a:r>
+              <a:rPr lang="en-GB" sz="2400" dirty="0">
+                <a:hlinkClick r:id="rId3"/>
+              </a:rPr>
+              <a:t>Tower of Hanoi</a:t>
+            </a:r>
+            <a:endParaRPr lang="en-US" sz="2400" dirty="0"/>
+          </a:p>
+          <a:p>
+            <a:pPr marL="338138" indent="-338138" algn="just">
+              <a:spcBef>
+                <a:spcPts val="600"/>
+              </a:spcBef>
+              <a:buClr>
+                <a:schemeClr val="tx1">
+                  <a:lumMod val="90000"/>
+                  <a:lumOff val="10000"/>
+                </a:schemeClr>
+              </a:buClr>
+              <a:buSzPct val="100000"/>
+              <a:buFont typeface="Wingdings" panose="05000000000000000000" pitchFamily="2" charset="2"/>
+              <a:buChar char="§"/>
+            </a:pPr>
+            <a:r>
+              <a:rPr lang="en-US" sz="2400" dirty="0"/>
+              <a:t>We attempt to write a program to produce instructions on how to move the disks from peg A to peg C to complete the puzzle.</a:t>
+            </a:r>
+          </a:p>
+          <a:p>
+            <a:pPr marL="338138" indent="-338138" algn="just">
+              <a:spcBef>
+                <a:spcPts val="600"/>
+              </a:spcBef>
+              <a:buClr>
+                <a:schemeClr val="tx1">
+                  <a:lumMod val="90000"/>
+                  <a:lumOff val="10000"/>
+                </a:schemeClr>
+              </a:buClr>
+              <a:buSzPct val="100000"/>
+              <a:buFont typeface="Wingdings" panose="05000000000000000000" pitchFamily="2" charset="2"/>
+              <a:buChar char="§"/>
+            </a:pPr>
+            <a:r>
+              <a:rPr lang="en-US" sz="2400" dirty="0"/>
+              <a:t>Example: A tower with 3 disks.</a:t>
+            </a:r>
+          </a:p>
+          <a:p>
+            <a:pPr marL="338138" indent="-338138" algn="just">
+              <a:spcBef>
+                <a:spcPts val="600"/>
+              </a:spcBef>
+              <a:spcAft>
+                <a:spcPts val="600"/>
+              </a:spcAft>
+              <a:buClr>
+                <a:schemeClr val="tx1">
+                  <a:lumMod val="90000"/>
+                  <a:lumOff val="10000"/>
+                </a:schemeClr>
+              </a:buClr>
+              <a:buSzPct val="100000"/>
+              <a:buFont typeface="Wingdings" panose="05000000000000000000" pitchFamily="2" charset="2"/>
+              <a:buChar char="§"/>
+            </a:pPr>
+            <a:r>
+              <a:rPr lang="en-US" sz="2400" dirty="0"/>
+              <a:t>Output produced by program:</a:t>
+            </a:r>
+          </a:p>
+          <a:p>
+            <a:pPr lvl="1" algn="just">
+              <a:spcBef>
+                <a:spcPct val="10000"/>
+              </a:spcBef>
+              <a:buFont typeface="Wingdings" pitchFamily="2" charset="2"/>
+              <a:buNone/>
+            </a:pPr>
+            <a:r>
+              <a:rPr lang="en-US" sz="2000" dirty="0"/>
+              <a:t>	Move disk from A to C</a:t>
+            </a:r>
+          </a:p>
+          <a:p>
+            <a:pPr lvl="1" algn="just">
+              <a:spcBef>
+                <a:spcPct val="10000"/>
+              </a:spcBef>
+              <a:buFont typeface="Wingdings" pitchFamily="2" charset="2"/>
+              <a:buNone/>
+            </a:pPr>
+            <a:r>
+              <a:rPr lang="en-US" sz="2000" dirty="0"/>
+              <a:t>	Move disk from A to B</a:t>
+            </a:r>
+          </a:p>
+          <a:p>
+            <a:pPr lvl="1" algn="just">
+              <a:spcBef>
+                <a:spcPct val="10000"/>
+              </a:spcBef>
+              <a:buFont typeface="Wingdings" pitchFamily="2" charset="2"/>
+              <a:buNone/>
+            </a:pPr>
+            <a:r>
+              <a:rPr lang="en-US" sz="2000" dirty="0"/>
+              <a:t>	Move disk from C to B</a:t>
+            </a:r>
+          </a:p>
+          <a:p>
+            <a:pPr lvl="1" algn="just">
+              <a:spcBef>
+                <a:spcPct val="10000"/>
+              </a:spcBef>
+              <a:buFont typeface="Wingdings" pitchFamily="2" charset="2"/>
+              <a:buNone/>
+            </a:pPr>
+            <a:r>
+              <a:rPr lang="en-US" sz="2000" dirty="0"/>
+              <a:t>	Move disk from A to C</a:t>
+            </a:r>
+          </a:p>
+          <a:p>
+            <a:pPr lvl="1" algn="just">
+              <a:spcBef>
+                <a:spcPct val="10000"/>
+              </a:spcBef>
+              <a:buFont typeface="Wingdings" pitchFamily="2" charset="2"/>
+              <a:buNone/>
+            </a:pPr>
+            <a:r>
+              <a:rPr lang="en-US" sz="2000" dirty="0"/>
+              <a:t>	Move disk from B to A</a:t>
+            </a:r>
+          </a:p>
+          <a:p>
+            <a:pPr lvl="1" algn="just">
+              <a:spcBef>
+                <a:spcPct val="10000"/>
+              </a:spcBef>
+              <a:buFont typeface="Wingdings" pitchFamily="2" charset="2"/>
+              <a:buNone/>
+            </a:pPr>
+            <a:r>
+              <a:rPr lang="en-US" sz="2000" dirty="0"/>
+              <a:t>	Move disk from B to C</a:t>
+            </a:r>
+          </a:p>
+          <a:p>
+            <a:pPr lvl="1" algn="just">
+              <a:spcBef>
+                <a:spcPct val="10000"/>
+              </a:spcBef>
+              <a:buFont typeface="Wingdings" pitchFamily="2" charset="2"/>
+              <a:buNone/>
+            </a:pPr>
+            <a:r>
+              <a:rPr lang="en-US" sz="2000" dirty="0"/>
+              <a:t>	Move disk from A to C</a:t>
+            </a:r>
+          </a:p>
+        </p:txBody>
+      </p:sp>
+    </p:spTree>
+    <p:extLst>
+      <p:ext uri="{BB962C8B-B14F-4D97-AF65-F5344CB8AC3E}">
+        <p14:creationId xmlns:p14="http://schemas.microsoft.com/office/powerpoint/2010/main" val="2596011763"/>
+      </p:ext>
+    </p:extLst>
+  </p:cSld>
+  <p:clrMapOvr>
+    <a:masterClrMapping/>
+  </p:clrMapOvr>
+  <p:transition>
+    <p:fade/>
+  </p:transition>
+</p:sld>
+</file>
+
+<file path=ppt/slides/slide15.xml><?xml version="1.0" encoding="utf-8"?>
+<p:sld xmlns:a="http://schemas.openxmlformats.org/drawingml/2006/main" xmlns:r="http://schemas.openxmlformats.org/officeDocument/2006/relationships" xmlns:p="http://schemas.openxmlformats.org/presentationml/2006/main">
+  <p:cSld>
+    <p:spTree>
+      <p:nvGrpSpPr>
+        <p:cNvPr id="1" name=""/>
+        <p:cNvGrpSpPr/>
+        <p:nvPr/>
+      </p:nvGrpSpPr>
+      <p:grpSpPr>
+        <a:xfrm>
+          <a:off x="0" y="0"/>
+          <a:ext cx="0" cy="0"/>
+          <a:chOff x="0" y="0"/>
+          <a:chExt cx="0" cy="0"/>
+        </a:xfrm>
+      </p:grpSpPr>
+      <p:sp>
+        <p:nvSpPr>
+          <p:cNvPr id="14338" name="Rectangle 2"/>
+          <p:cNvSpPr>
+            <a:spLocks noGrp="1" noChangeArrowheads="1"/>
+          </p:cNvSpPr>
+          <p:nvPr>
+            <p:ph type="title"/>
+          </p:nvPr>
+        </p:nvSpPr>
+        <p:spPr>
+          <a:xfrm>
+            <a:off x="533400" y="381000"/>
+            <a:ext cx="8382000" cy="838200"/>
+          </a:xfrm>
+        </p:spPr>
+        <p:txBody>
+          <a:bodyPr>
+            <a:normAutofit/>
+          </a:bodyPr>
+          <a:lstStyle/>
+          <a:p>
+            <a:pPr eaLnBrk="1" hangingPunct="1"/>
+            <a:r>
+              <a:rPr lang="en-GB" sz="3600" dirty="0">
+                <a:solidFill>
+                  <a:srgbClr val="0000FF"/>
+                </a:solidFill>
+              </a:rPr>
+              <a:t>Tower Of Hanoi</a:t>
+            </a:r>
+          </a:p>
+        </p:txBody>
+      </p:sp>
+      <p:sp>
+        <p:nvSpPr>
+          <p:cNvPr id="7" name="Slide Number Placeholder 6"/>
+          <p:cNvSpPr>
+            <a:spLocks noGrp="1"/>
+          </p:cNvSpPr>
+          <p:nvPr>
+            <p:ph type="sldNum" sz="quarter" idx="12"/>
+          </p:nvPr>
+        </p:nvSpPr>
+        <p:spPr/>
+        <p:txBody>
+          <a:bodyPr>
+            <a:normAutofit/>
+          </a:bodyPr>
+          <a:lstStyle/>
+          <a:p>
+            <a:pPr>
+              <a:defRPr/>
+            </a:pPr>
+            <a:r>
+              <a:rPr lang="en-US" sz="1200" dirty="0"/>
+              <a:t>Unit25</a:t>
+            </a:r>
+            <a:r>
+              <a:rPr sz="1200" dirty="0"/>
+              <a:t> </a:t>
+            </a:r>
+            <a:r>
+              <a:rPr lang="en-US" sz="1200" dirty="0"/>
+              <a:t>-</a:t>
+            </a:r>
+            <a:r>
+              <a:rPr sz="1200" dirty="0"/>
+              <a:t> </a:t>
+            </a:r>
+            <a:fld id="{F7EC234A-9094-4BB8-9EA4-75ECDA8A365B}" type="slidenum">
+              <a:rPr sz="1200" smtClean="0"/>
+              <a:pPr>
+                <a:defRPr/>
+              </a:pPr>
+              <a:t>15</a:t>
             </a:fld>
             <a:endParaRPr sz="1200" dirty="0"/>
           </a:p>
@@ -22556,7 +23534,7 @@
 </p:sld>
 </file>
 
-<file path=ppt/slides/slide15.xml><?xml version="1.0" encoding="utf-8"?>
+<file path=ppt/slides/slide16.xml><?xml version="1.0" encoding="utf-8"?>
 <p:sld xmlns:a="http://schemas.openxmlformats.org/drawingml/2006/main" xmlns:r="http://schemas.openxmlformats.org/officeDocument/2006/relationships" xmlns:p="http://schemas.openxmlformats.org/presentationml/2006/main">
   <p:cSld>
     <p:spTree>
@@ -22648,7 +23626,7 @@
               <a:pPr>
                 <a:defRPr/>
               </a:pPr>
-              <a:t>15</a:t>
+              <a:t>16</a:t>
             </a:fld>
             <a:endParaRPr sz="1200" dirty="0"/>
           </a:p>
@@ -23463,7 +24441,7 @@
 </p:sld>
 </file>
 
-<file path=ppt/slides/slide16.xml><?xml version="1.0" encoding="utf-8"?>
+<file path=ppt/slides/slide17.xml><?xml version="1.0" encoding="utf-8"?>
 <p:sld xmlns:a="http://schemas.openxmlformats.org/drawingml/2006/main" xmlns:r="http://schemas.openxmlformats.org/officeDocument/2006/relationships" xmlns:p="http://schemas.openxmlformats.org/presentationml/2006/main">
   <p:cSld>
     <p:spTree>
@@ -23555,7 +24533,7 @@
               <a:pPr>
                 <a:defRPr/>
               </a:pPr>
-              <a:t>16</a:t>
+              <a:t>17</a:t>
             </a:fld>
             <a:endParaRPr sz="1200" dirty="0"/>
           </a:p>
@@ -24365,7 +25343,7 @@
 </p:sld>
 </file>
 
-<file path=ppt/slides/slide17.xml><?xml version="1.0" encoding="utf-8"?>
+<file path=ppt/slides/slide18.xml><?xml version="1.0" encoding="utf-8"?>
 <p:sld xmlns:a="http://schemas.openxmlformats.org/drawingml/2006/main" xmlns:r="http://schemas.openxmlformats.org/officeDocument/2006/relationships" xmlns:p="http://schemas.openxmlformats.org/presentationml/2006/main">
   <p:cSld>
     <p:spTree>
@@ -24457,7 +25435,7 @@
               <a:pPr>
                 <a:defRPr/>
               </a:pPr>
-              <a:t>17</a:t>
+              <a:t>18</a:t>
             </a:fld>
             <a:endParaRPr sz="1200" dirty="0"/>
           </a:p>
@@ -25280,7 +26258,7 @@
 </p:sld>
 </file>
 
-<file path=ppt/slides/slide18.xml><?xml version="1.0" encoding="utf-8"?>
+<file path=ppt/slides/slide19.xml><?xml version="1.0" encoding="utf-8"?>
 <p:sld xmlns:a="http://schemas.openxmlformats.org/drawingml/2006/main" xmlns:r="http://schemas.openxmlformats.org/officeDocument/2006/relationships" xmlns:p="http://schemas.openxmlformats.org/presentationml/2006/main">
   <p:cSld>
     <p:spTree>
@@ -25372,7 +26350,7 @@
               <a:pPr>
                 <a:defRPr/>
               </a:pPr>
-              <a:t>18</a:t>
+              <a:t>19</a:t>
             </a:fld>
             <a:endParaRPr sz="1200" dirty="0"/>
           </a:p>
@@ -26198,7 +27176,228 @@
 </p:sld>
 </file>
 
-<file path=ppt/slides/slide19.xml><?xml version="1.0" encoding="utf-8"?>
+<file path=ppt/slides/slide2.xml><?xml version="1.0" encoding="utf-8"?>
+<p:sld xmlns:a="http://schemas.openxmlformats.org/drawingml/2006/main" xmlns:r="http://schemas.openxmlformats.org/officeDocument/2006/relationships" xmlns:p="http://schemas.openxmlformats.org/presentationml/2006/main">
+  <p:cSld name="PPTLabsHighlightBulletsSlide201407080929400618">
+    <p:spTree>
+      <p:nvGrpSpPr>
+        <p:cNvPr id="1" name=""/>
+        <p:cNvGrpSpPr/>
+        <p:nvPr/>
+      </p:nvGrpSpPr>
+      <p:grpSpPr>
+        <a:xfrm>
+          <a:off x="0" y="0"/>
+          <a:ext cx="0" cy="0"/>
+          <a:chOff x="0" y="0"/>
+          <a:chExt cx="0" cy="0"/>
+        </a:xfrm>
+      </p:grpSpPr>
+      <p:sp>
+        <p:nvSpPr>
+          <p:cNvPr id="14338" name="Rectangle 2"/>
+          <p:cNvSpPr>
+            <a:spLocks noGrp="1" noChangeArrowheads="1"/>
+          </p:cNvSpPr>
+          <p:nvPr>
+            <p:ph type="title"/>
+          </p:nvPr>
+        </p:nvSpPr>
+        <p:spPr>
+          <a:xfrm>
+            <a:off x="533400" y="381000"/>
+            <a:ext cx="8382000" cy="838200"/>
+          </a:xfrm>
+        </p:spPr>
+        <p:txBody>
+          <a:bodyPr>
+            <a:normAutofit/>
+          </a:bodyPr>
+          <a:lstStyle/>
+          <a:p>
+            <a:pPr eaLnBrk="1" hangingPunct="1"/>
+            <a:r>
+              <a:rPr lang="en-GB" sz="3600" dirty="0">
+                <a:solidFill>
+                  <a:srgbClr val="0000FF"/>
+                </a:solidFill>
+              </a:rPr>
+              <a:t>Unit 25: Tower of Hanoi</a:t>
+            </a:r>
+          </a:p>
+        </p:txBody>
+      </p:sp>
+      <p:sp>
+        <p:nvSpPr>
+          <p:cNvPr id="14339" name="HighlightTextShape201406201824391195"/>
+          <p:cNvSpPr>
+            <a:spLocks noGrp="1" noChangeArrowheads="1"/>
+          </p:cNvSpPr>
+          <p:nvPr>
+            <p:ph idx="1"/>
+          </p:nvPr>
+        </p:nvSpPr>
+        <p:spPr>
+          <a:xfrm>
+            <a:off x="418641" y="1371600"/>
+            <a:ext cx="8420559" cy="4495800"/>
+          </a:xfrm>
+        </p:spPr>
+        <p:txBody>
+          <a:bodyPr/>
+          <a:lstStyle/>
+          <a:p>
+            <a:pPr marL="514350" indent="-514350" eaLnBrk="1" hangingPunct="1">
+              <a:buClrTx/>
+              <a:buSzPct val="100000"/>
+              <a:buFont typeface="+mj-lt"/>
+              <a:buAutoNum type="arabicPeriod"/>
+            </a:pPr>
+            <a:r>
+              <a:rPr lang="en-GB" sz="2800" dirty="0">
+                <a:latin typeface="+mj-lt"/>
+              </a:rPr>
+              <a:t>Gist of Recursion</a:t>
+            </a:r>
+          </a:p>
+          <a:p>
+            <a:pPr marL="514350" indent="-514350" eaLnBrk="1" hangingPunct="1">
+              <a:buClrTx/>
+              <a:buSzPct val="100000"/>
+              <a:buFont typeface="+mj-lt"/>
+              <a:buAutoNum type="arabicPeriod"/>
+            </a:pPr>
+            <a:r>
+              <a:rPr lang="en-GB" sz="2800" dirty="0">
+                <a:latin typeface="+mj-lt"/>
+              </a:rPr>
+              <a:t>Recursive Thinking</a:t>
+            </a:r>
+          </a:p>
+          <a:p>
+            <a:pPr marL="514350" indent="-514350" eaLnBrk="1" hangingPunct="1">
+              <a:buClrTx/>
+              <a:buSzPct val="100000"/>
+              <a:buFont typeface="+mj-lt"/>
+              <a:buAutoNum type="arabicPeriod"/>
+            </a:pPr>
+            <a:r>
+              <a:rPr lang="en-GB" sz="2800" dirty="0">
+                <a:latin typeface="+mj-lt"/>
+              </a:rPr>
+              <a:t>Tower of Hanoi</a:t>
+            </a:r>
+          </a:p>
+          <a:p>
+            <a:pPr marL="514350" indent="-514350" eaLnBrk="1" hangingPunct="1">
+              <a:buClrTx/>
+              <a:buSzPct val="100000"/>
+              <a:buFont typeface="+mj-lt"/>
+              <a:buAutoNum type="arabicPeriod"/>
+            </a:pPr>
+            <a:endParaRPr lang="en-GB" sz="2800" dirty="0">
+              <a:latin typeface="+mj-lt"/>
+            </a:endParaRPr>
+          </a:p>
+          <a:p>
+            <a:pPr marL="514350" indent="-514350" eaLnBrk="1" hangingPunct="1">
+              <a:buClrTx/>
+              <a:buSzPct val="100000"/>
+              <a:buFont typeface="+mj-lt"/>
+              <a:buAutoNum type="arabicPeriod"/>
+            </a:pPr>
+            <a:endParaRPr lang="en-GB" sz="2800" dirty="0">
+              <a:latin typeface="+mj-lt"/>
+            </a:endParaRPr>
+          </a:p>
+        </p:txBody>
+      </p:sp>
+      <p:sp>
+        <p:nvSpPr>
+          <p:cNvPr id="7" name="Slide Number Placeholder 6"/>
+          <p:cNvSpPr>
+            <a:spLocks noGrp="1"/>
+          </p:cNvSpPr>
+          <p:nvPr>
+            <p:ph type="sldNum" sz="quarter" idx="12"/>
+          </p:nvPr>
+        </p:nvSpPr>
+        <p:spPr/>
+        <p:txBody>
+          <a:bodyPr>
+            <a:normAutofit/>
+          </a:bodyPr>
+          <a:lstStyle/>
+          <a:p>
+            <a:pPr>
+              <a:defRPr/>
+            </a:pPr>
+            <a:r>
+              <a:rPr lang="en-US" sz="1200" dirty="0"/>
+              <a:t>Unit25</a:t>
+            </a:r>
+            <a:r>
+              <a:rPr sz="1200" dirty="0"/>
+              <a:t> - </a:t>
+            </a:r>
+            <a:fld id="{F7EC234A-9094-4BB8-9EA4-75ECDA8A365B}" type="slidenum">
+              <a:rPr sz="1200" smtClean="0"/>
+              <a:pPr>
+                <a:defRPr/>
+              </a:pPr>
+              <a:t>2</a:t>
+            </a:fld>
+            <a:endParaRPr sz="1200" dirty="0"/>
+          </a:p>
+        </p:txBody>
+      </p:sp>
+      <p:sp>
+        <p:nvSpPr>
+          <p:cNvPr id="12" name="[Date Placeholder 3]"/>
+          <p:cNvSpPr>
+            <a:spLocks noGrp="1"/>
+          </p:cNvSpPr>
+          <p:nvPr>
+            <p:ph type="dt" sz="half" idx="10"/>
+          </p:nvPr>
+        </p:nvSpPr>
+        <p:spPr>
+          <a:xfrm>
+            <a:off x="457200" y="18288"/>
+            <a:ext cx="2895600" cy="329184"/>
+          </a:xfrm>
+        </p:spPr>
+        <p:txBody>
+          <a:bodyPr/>
+          <a:lstStyle/>
+          <a:p>
+            <a:pPr>
+              <a:defRPr/>
+            </a:pPr>
+            <a:r>
+              <a:rPr lang="en-US" dirty="0"/>
+              <a:t>© NUS</a:t>
+            </a:r>
+          </a:p>
+        </p:txBody>
+      </p:sp>
+    </p:spTree>
+    <p:extLst>
+      <p:ext uri="{BB962C8B-B14F-4D97-AF65-F5344CB8AC3E}">
+        <p14:creationId xmlns:p14="http://schemas.microsoft.com/office/powerpoint/2010/main" val="2438607696"/>
+      </p:ext>
+    </p:extLst>
+  </p:cSld>
+  <p:clrMapOvr>
+    <a:masterClrMapping/>
+  </p:clrMapOvr>
+  <p:transition>
+    <p:fade/>
+  </p:transition>
+</p:sld>
+</file>
+
+<file path=ppt/slides/slide20.xml><?xml version="1.0" encoding="utf-8"?>
 <p:sld xmlns:a="http://schemas.openxmlformats.org/drawingml/2006/main" xmlns:r="http://schemas.openxmlformats.org/officeDocument/2006/relationships" xmlns:p="http://schemas.openxmlformats.org/presentationml/2006/main">
   <p:cSld>
     <p:spTree>
@@ -26290,7 +27489,7 @@
               <a:pPr>
                 <a:defRPr/>
               </a:pPr>
-              <a:t>19</a:t>
+              <a:t>20</a:t>
             </a:fld>
             <a:endParaRPr sz="1200" dirty="0"/>
           </a:p>
@@ -27112,228 +28311,7 @@
 </p:sld>
 </file>
 
-<file path=ppt/slides/slide2.xml><?xml version="1.0" encoding="utf-8"?>
-<p:sld xmlns:a="http://schemas.openxmlformats.org/drawingml/2006/main" xmlns:r="http://schemas.openxmlformats.org/officeDocument/2006/relationships" xmlns:p="http://schemas.openxmlformats.org/presentationml/2006/main">
-  <p:cSld name="PPTLabsHighlightBulletsSlide201407080929400618">
-    <p:spTree>
-      <p:nvGrpSpPr>
-        <p:cNvPr id="1" name=""/>
-        <p:cNvGrpSpPr/>
-        <p:nvPr/>
-      </p:nvGrpSpPr>
-      <p:grpSpPr>
-        <a:xfrm>
-          <a:off x="0" y="0"/>
-          <a:ext cx="0" cy="0"/>
-          <a:chOff x="0" y="0"/>
-          <a:chExt cx="0" cy="0"/>
-        </a:xfrm>
-      </p:grpSpPr>
-      <p:sp>
-        <p:nvSpPr>
-          <p:cNvPr id="14338" name="Rectangle 2"/>
-          <p:cNvSpPr>
-            <a:spLocks noGrp="1" noChangeArrowheads="1"/>
-          </p:cNvSpPr>
-          <p:nvPr>
-            <p:ph type="title"/>
-          </p:nvPr>
-        </p:nvSpPr>
-        <p:spPr>
-          <a:xfrm>
-            <a:off x="533400" y="381000"/>
-            <a:ext cx="8382000" cy="838200"/>
-          </a:xfrm>
-        </p:spPr>
-        <p:txBody>
-          <a:bodyPr>
-            <a:normAutofit/>
-          </a:bodyPr>
-          <a:lstStyle/>
-          <a:p>
-            <a:pPr eaLnBrk="1" hangingPunct="1"/>
-            <a:r>
-              <a:rPr lang="en-GB" sz="3600" dirty="0">
-                <a:solidFill>
-                  <a:srgbClr val="0000FF"/>
-                </a:solidFill>
-              </a:rPr>
-              <a:t>Unit 25: Tower of Hanoi</a:t>
-            </a:r>
-          </a:p>
-        </p:txBody>
-      </p:sp>
-      <p:sp>
-        <p:nvSpPr>
-          <p:cNvPr id="14339" name="HighlightTextShape201406201824391195"/>
-          <p:cNvSpPr>
-            <a:spLocks noGrp="1" noChangeArrowheads="1"/>
-          </p:cNvSpPr>
-          <p:nvPr>
-            <p:ph idx="1"/>
-          </p:nvPr>
-        </p:nvSpPr>
-        <p:spPr>
-          <a:xfrm>
-            <a:off x="418641" y="1371600"/>
-            <a:ext cx="8420559" cy="4495800"/>
-          </a:xfrm>
-        </p:spPr>
-        <p:txBody>
-          <a:bodyPr/>
-          <a:lstStyle/>
-          <a:p>
-            <a:pPr marL="514350" indent="-514350" eaLnBrk="1" hangingPunct="1">
-              <a:buClrTx/>
-              <a:buSzPct val="100000"/>
-              <a:buFont typeface="+mj-lt"/>
-              <a:buAutoNum type="arabicPeriod"/>
-            </a:pPr>
-            <a:r>
-              <a:rPr lang="en-GB" sz="2800" dirty="0">
-                <a:latin typeface="+mj-lt"/>
-              </a:rPr>
-              <a:t>Gist of Recursion</a:t>
-            </a:r>
-          </a:p>
-          <a:p>
-            <a:pPr marL="514350" indent="-514350" eaLnBrk="1" hangingPunct="1">
-              <a:buClrTx/>
-              <a:buSzPct val="100000"/>
-              <a:buFont typeface="+mj-lt"/>
-              <a:buAutoNum type="arabicPeriod"/>
-            </a:pPr>
-            <a:r>
-              <a:rPr lang="en-GB" sz="2800" dirty="0">
-                <a:latin typeface="+mj-lt"/>
-              </a:rPr>
-              <a:t>Recursive Thinking</a:t>
-            </a:r>
-          </a:p>
-          <a:p>
-            <a:pPr marL="514350" indent="-514350" eaLnBrk="1" hangingPunct="1">
-              <a:buClrTx/>
-              <a:buSzPct val="100000"/>
-              <a:buFont typeface="+mj-lt"/>
-              <a:buAutoNum type="arabicPeriod"/>
-            </a:pPr>
-            <a:r>
-              <a:rPr lang="en-GB" sz="2800" dirty="0">
-                <a:latin typeface="+mj-lt"/>
-              </a:rPr>
-              <a:t>Tower of Hanoi</a:t>
-            </a:r>
-          </a:p>
-          <a:p>
-            <a:pPr marL="514350" indent="-514350" eaLnBrk="1" hangingPunct="1">
-              <a:buClrTx/>
-              <a:buSzPct val="100000"/>
-              <a:buFont typeface="+mj-lt"/>
-              <a:buAutoNum type="arabicPeriod"/>
-            </a:pPr>
-            <a:endParaRPr lang="en-GB" sz="2800" dirty="0">
-              <a:latin typeface="+mj-lt"/>
-            </a:endParaRPr>
-          </a:p>
-          <a:p>
-            <a:pPr marL="514350" indent="-514350" eaLnBrk="1" hangingPunct="1">
-              <a:buClrTx/>
-              <a:buSzPct val="100000"/>
-              <a:buFont typeface="+mj-lt"/>
-              <a:buAutoNum type="arabicPeriod"/>
-            </a:pPr>
-            <a:endParaRPr lang="en-GB" sz="2800" dirty="0">
-              <a:latin typeface="+mj-lt"/>
-            </a:endParaRPr>
-          </a:p>
-        </p:txBody>
-      </p:sp>
-      <p:sp>
-        <p:nvSpPr>
-          <p:cNvPr id="7" name="Slide Number Placeholder 6"/>
-          <p:cNvSpPr>
-            <a:spLocks noGrp="1"/>
-          </p:cNvSpPr>
-          <p:nvPr>
-            <p:ph type="sldNum" sz="quarter" idx="12"/>
-          </p:nvPr>
-        </p:nvSpPr>
-        <p:spPr/>
-        <p:txBody>
-          <a:bodyPr>
-            <a:normAutofit/>
-          </a:bodyPr>
-          <a:lstStyle/>
-          <a:p>
-            <a:pPr>
-              <a:defRPr/>
-            </a:pPr>
-            <a:r>
-              <a:rPr lang="en-US" sz="1200" dirty="0"/>
-              <a:t>Unit25</a:t>
-            </a:r>
-            <a:r>
-              <a:rPr sz="1200" dirty="0"/>
-              <a:t> - </a:t>
-            </a:r>
-            <a:fld id="{F7EC234A-9094-4BB8-9EA4-75ECDA8A365B}" type="slidenum">
-              <a:rPr sz="1200" smtClean="0"/>
-              <a:pPr>
-                <a:defRPr/>
-              </a:pPr>
-              <a:t>2</a:t>
-            </a:fld>
-            <a:endParaRPr sz="1200" dirty="0"/>
-          </a:p>
-        </p:txBody>
-      </p:sp>
-      <p:sp>
-        <p:nvSpPr>
-          <p:cNvPr id="12" name="[Date Placeholder 3]"/>
-          <p:cNvSpPr>
-            <a:spLocks noGrp="1"/>
-          </p:cNvSpPr>
-          <p:nvPr>
-            <p:ph type="dt" sz="half" idx="10"/>
-          </p:nvPr>
-        </p:nvSpPr>
-        <p:spPr>
-          <a:xfrm>
-            <a:off x="457200" y="18288"/>
-            <a:ext cx="2895600" cy="329184"/>
-          </a:xfrm>
-        </p:spPr>
-        <p:txBody>
-          <a:bodyPr/>
-          <a:lstStyle/>
-          <a:p>
-            <a:pPr>
-              <a:defRPr/>
-            </a:pPr>
-            <a:r>
-              <a:rPr lang="en-US" dirty="0"/>
-              <a:t>© NUS</a:t>
-            </a:r>
-          </a:p>
-        </p:txBody>
-      </p:sp>
-    </p:spTree>
-    <p:extLst>
-      <p:ext uri="{BB962C8B-B14F-4D97-AF65-F5344CB8AC3E}">
-        <p14:creationId xmlns:p14="http://schemas.microsoft.com/office/powerpoint/2010/main" val="2438607696"/>
-      </p:ext>
-    </p:extLst>
-  </p:cSld>
-  <p:clrMapOvr>
-    <a:masterClrMapping/>
-  </p:clrMapOvr>
-  <p:transition>
-    <p:fade/>
-  </p:transition>
-</p:sld>
-</file>
-
-<file path=ppt/slides/slide20.xml><?xml version="1.0" encoding="utf-8"?>
+<file path=ppt/slides/slide21.xml><?xml version="1.0" encoding="utf-8"?>
 <p:sld xmlns:a="http://schemas.openxmlformats.org/drawingml/2006/main" xmlns:r="http://schemas.openxmlformats.org/officeDocument/2006/relationships" xmlns:p="http://schemas.openxmlformats.org/presentationml/2006/main">
   <p:cSld>
     <p:spTree>
@@ -27425,7 +28403,7 @@
               <a:pPr>
                 <a:defRPr/>
               </a:pPr>
-              <a:t>20</a:t>
+              <a:t>21</a:t>
             </a:fld>
             <a:endParaRPr sz="1200" dirty="0"/>
           </a:p>
@@ -28256,7 +29234,7 @@
 </p:sld>
 </file>
 
-<file path=ppt/slides/slide21.xml><?xml version="1.0" encoding="utf-8"?>
+<file path=ppt/slides/slide22.xml><?xml version="1.0" encoding="utf-8"?>
 <p:sld xmlns:a="http://schemas.openxmlformats.org/drawingml/2006/main" xmlns:r="http://schemas.openxmlformats.org/officeDocument/2006/relationships" xmlns:p="http://schemas.openxmlformats.org/presentationml/2006/main">
   <p:cSld>
     <p:spTree>
@@ -28348,7 +29326,7 @@
               <a:pPr>
                 <a:defRPr/>
               </a:pPr>
-              <a:t>21</a:t>
+              <a:t>22</a:t>
             </a:fld>
             <a:endParaRPr sz="1200" dirty="0"/>
           </a:p>
@@ -29279,7 +30257,7 @@
 </p:sld>
 </file>
 
-<file path=ppt/slides/slide22.xml><?xml version="1.0" encoding="utf-8"?>
+<file path=ppt/slides/slide23.xml><?xml version="1.0" encoding="utf-8"?>
 <p:sld xmlns:a="http://schemas.openxmlformats.org/drawingml/2006/main" xmlns:r="http://schemas.openxmlformats.org/officeDocument/2006/relationships" xmlns:p="http://schemas.openxmlformats.org/presentationml/2006/main">
   <p:cSld>
     <p:spTree>
@@ -29371,7 +30349,7 @@
               <a:pPr>
                 <a:defRPr/>
               </a:pPr>
-              <a:t>22</a:t>
+              <a:t>23</a:t>
             </a:fld>
             <a:endParaRPr sz="1200" dirty="0"/>
           </a:p>
@@ -29605,7 +30583,7 @@
 </p:sld>
 </file>
 
-<file path=ppt/slides/slide23.xml><?xml version="1.0" encoding="utf-8"?>
+<file path=ppt/slides/slide24.xml><?xml version="1.0" encoding="utf-8"?>
 <p:sld xmlns:a="http://schemas.openxmlformats.org/drawingml/2006/main" xmlns:r="http://schemas.openxmlformats.org/officeDocument/2006/relationships" xmlns:p="http://schemas.openxmlformats.org/presentationml/2006/main">
   <p:cSld>
     <p:spTree>
@@ -29697,7 +30675,7 @@
               <a:pPr>
                 <a:defRPr/>
               </a:pPr>
-              <a:t>23</a:t>
+              <a:t>24</a:t>
             </a:fld>
             <a:endParaRPr sz="1200" dirty="0"/>
           </a:p>
@@ -30079,7 +31057,7 @@
 </p:sld>
 </file>
 
-<file path=ppt/slides/slide24.xml><?xml version="1.0" encoding="utf-8"?>
+<file path=ppt/slides/slide25.xml><?xml version="1.0" encoding="utf-8"?>
 <p:sld xmlns:a="http://schemas.openxmlformats.org/drawingml/2006/main" xmlns:r="http://schemas.openxmlformats.org/officeDocument/2006/relationships" xmlns:p="http://schemas.openxmlformats.org/presentationml/2006/main">
   <p:cSld>
     <p:spTree>
@@ -30171,7 +31149,7 @@
               <a:pPr>
                 <a:defRPr/>
               </a:pPr>
-              <a:t>24</a:t>
+              <a:t>25</a:t>
             </a:fld>
             <a:endParaRPr sz="1200" dirty="0"/>
           </a:p>
@@ -30542,7 +31520,7 @@
 </p:sld>
 </file>
 
-<file path=ppt/slides/slide25.xml><?xml version="1.0" encoding="utf-8"?>
+<file path=ppt/slides/slide26.xml><?xml version="1.0" encoding="utf-8"?>
 <p:sld xmlns:a="http://schemas.openxmlformats.org/drawingml/2006/main" xmlns:r="http://schemas.openxmlformats.org/officeDocument/2006/relationships" xmlns:p="http://schemas.openxmlformats.org/presentationml/2006/main">
   <p:cSld>
     <p:spTree>
@@ -30634,7 +31612,7 @@
               <a:pPr>
                 <a:defRPr/>
               </a:pPr>
-              <a:t>25</a:t>
+              <a:t>26</a:t>
             </a:fld>
             <a:endParaRPr sz="1200" dirty="0"/>
           </a:p>
@@ -31514,524 +32492,6 @@
     <p:extLst>
       <p:ext uri="{BB962C8B-B14F-4D97-AF65-F5344CB8AC3E}">
         <p14:creationId xmlns:p14="http://schemas.microsoft.com/office/powerpoint/2010/main" val="172325292"/>
-      </p:ext>
-    </p:extLst>
-  </p:cSld>
-  <p:clrMapOvr>
-    <a:masterClrMapping/>
-  </p:clrMapOvr>
-  <p:transition>
-    <p:fade/>
-  </p:transition>
-</p:sld>
-</file>
-
-<file path=ppt/slides/slide26.xml><?xml version="1.0" encoding="utf-8"?>
-<p:sld xmlns:a="http://schemas.openxmlformats.org/drawingml/2006/main" xmlns:r="http://schemas.openxmlformats.org/officeDocument/2006/relationships" xmlns:p="http://schemas.openxmlformats.org/presentationml/2006/main">
-  <p:cSld>
-    <p:spTree>
-      <p:nvGrpSpPr>
-        <p:cNvPr id="1" name=""/>
-        <p:cNvGrpSpPr/>
-        <p:nvPr/>
-      </p:nvGrpSpPr>
-      <p:grpSpPr>
-        <a:xfrm>
-          <a:off x="0" y="0"/>
-          <a:ext cx="0" cy="0"/>
-          <a:chOff x="0" y="0"/>
-          <a:chExt cx="0" cy="0"/>
-        </a:xfrm>
-      </p:grpSpPr>
-      <p:sp>
-        <p:nvSpPr>
-          <p:cNvPr id="14338" name="Rectangle 2"/>
-          <p:cNvSpPr>
-            <a:spLocks noGrp="1" noChangeArrowheads="1"/>
-          </p:cNvSpPr>
-          <p:nvPr>
-            <p:ph type="title"/>
-          </p:nvPr>
-        </p:nvSpPr>
-        <p:spPr>
-          <a:xfrm>
-            <a:off x="533400" y="381000"/>
-            <a:ext cx="8382000" cy="838200"/>
-          </a:xfrm>
-        </p:spPr>
-        <p:txBody>
-          <a:bodyPr>
-            <a:normAutofit/>
-          </a:bodyPr>
-          <a:lstStyle/>
-          <a:p>
-            <a:pPr eaLnBrk="1" hangingPunct="1"/>
-            <a:r>
-              <a:rPr lang="en-GB" sz="3600" dirty="0">
-                <a:solidFill>
-                  <a:srgbClr val="0000FF"/>
-                </a:solidFill>
-              </a:rPr>
-              <a:t>Tower Of Hanoi</a:t>
-            </a:r>
-          </a:p>
-        </p:txBody>
-      </p:sp>
-      <p:sp>
-        <p:nvSpPr>
-          <p:cNvPr id="7" name="Slide Number Placeholder 6"/>
-          <p:cNvSpPr>
-            <a:spLocks noGrp="1"/>
-          </p:cNvSpPr>
-          <p:nvPr>
-            <p:ph type="sldNum" sz="quarter" idx="12"/>
-          </p:nvPr>
-        </p:nvSpPr>
-        <p:spPr/>
-        <p:txBody>
-          <a:bodyPr>
-            <a:normAutofit/>
-          </a:bodyPr>
-          <a:lstStyle/>
-          <a:p>
-            <a:pPr>
-              <a:defRPr/>
-            </a:pPr>
-            <a:r>
-              <a:rPr lang="en-US" sz="1200" dirty="0"/>
-              <a:t>Unit25</a:t>
-            </a:r>
-            <a:r>
-              <a:rPr sz="1200" dirty="0"/>
-              <a:t> </a:t>
-            </a:r>
-            <a:r>
-              <a:rPr lang="en-US" sz="1200" dirty="0"/>
-              <a:t>-</a:t>
-            </a:r>
-            <a:r>
-              <a:rPr sz="1200" dirty="0"/>
-              <a:t> </a:t>
-            </a:r>
-            <a:fld id="{F7EC234A-9094-4BB8-9EA4-75ECDA8A365B}" type="slidenum">
-              <a:rPr sz="1200" smtClean="0"/>
-              <a:pPr>
-                <a:defRPr/>
-              </a:pPr>
-              <a:t>26</a:t>
-            </a:fld>
-            <a:endParaRPr sz="1200" dirty="0"/>
-          </a:p>
-        </p:txBody>
-      </p:sp>
-      <p:sp>
-        <p:nvSpPr>
-          <p:cNvPr id="12" name="[Date Placeholder 3]"/>
-          <p:cNvSpPr>
-            <a:spLocks noGrp="1"/>
-          </p:cNvSpPr>
-          <p:nvPr>
-            <p:ph type="dt" sz="half" idx="10"/>
-          </p:nvPr>
-        </p:nvSpPr>
-        <p:spPr>
-          <a:xfrm>
-            <a:off x="457200" y="18288"/>
-            <a:ext cx="2895600" cy="329184"/>
-          </a:xfrm>
-        </p:spPr>
-        <p:txBody>
-          <a:bodyPr/>
-          <a:lstStyle/>
-          <a:p>
-            <a:pPr>
-              <a:defRPr/>
-            </a:pPr>
-            <a:r>
-              <a:rPr lang="en-US" dirty="0"/>
-              <a:t>© NUS</a:t>
-            </a:r>
-          </a:p>
-        </p:txBody>
-      </p:sp>
-      <p:sp>
-        <p:nvSpPr>
-          <p:cNvPr id="10" name="TextBox 9"/>
-          <p:cNvSpPr txBox="1"/>
-          <p:nvPr/>
-        </p:nvSpPr>
-        <p:spPr bwMode="auto">
-          <a:xfrm>
-            <a:off x="609600" y="1192742"/>
-            <a:ext cx="8094133" cy="2308324"/>
-          </a:xfrm>
-          <a:prstGeom prst="rect">
-            <a:avLst/>
-          </a:prstGeom>
-        </p:spPr>
-        <p:style>
-          <a:lnRef idx="2">
-            <a:schemeClr val="accent6"/>
-          </a:lnRef>
-          <a:fillRef idx="1">
-            <a:schemeClr val="lt1"/>
-          </a:fillRef>
-          <a:effectRef idx="0">
-            <a:schemeClr val="accent6"/>
-          </a:effectRef>
-          <a:fontRef idx="minor">
-            <a:schemeClr val="dk1"/>
-          </a:fontRef>
-        </p:style>
-        <p:txBody>
-          <a:bodyPr wrap="square">
-            <a:spAutoFit/>
-          </a:bodyPr>
-          <a:lstStyle/>
-          <a:p>
-            <a:pPr>
-              <a:tabLst>
-                <a:tab pos="341313" algn="l"/>
-                <a:tab pos="682625" algn="l"/>
-                <a:tab pos="1023938" algn="l"/>
-                <a:tab pos="1376363" algn="l"/>
-              </a:tabLst>
-              <a:defRPr/>
-            </a:pPr>
-            <a:r>
-              <a:rPr lang="en-US" b="1" dirty="0">
-                <a:solidFill>
-                  <a:srgbClr val="0000FF"/>
-                </a:solidFill>
-                <a:latin typeface="Courier New" pitchFamily="49" charset="0"/>
-                <a:cs typeface="Courier New" pitchFamily="49" charset="0"/>
-              </a:rPr>
-              <a:t>void</a:t>
-            </a:r>
-            <a:r>
-              <a:rPr lang="en-US" b="1" dirty="0">
-                <a:solidFill>
-                  <a:schemeClr val="tx1"/>
-                </a:solidFill>
-                <a:latin typeface="Courier New" pitchFamily="49" charset="0"/>
-                <a:cs typeface="Courier New" pitchFamily="49" charset="0"/>
-              </a:rPr>
-              <a:t> print(</a:t>
-            </a:r>
-            <a:r>
-              <a:rPr lang="en-US" b="1" dirty="0">
-                <a:solidFill>
-                  <a:srgbClr val="0000FF"/>
-                </a:solidFill>
-                <a:latin typeface="Courier New" pitchFamily="49" charset="0"/>
-                <a:cs typeface="Courier New" pitchFamily="49" charset="0"/>
-              </a:rPr>
-              <a:t>long</a:t>
-            </a:r>
-            <a:r>
-              <a:rPr lang="en-US" b="1" dirty="0">
-                <a:solidFill>
-                  <a:schemeClr val="tx1"/>
-                </a:solidFill>
-                <a:latin typeface="Courier New" pitchFamily="49" charset="0"/>
-                <a:cs typeface="Courier New" pitchFamily="49" charset="0"/>
-              </a:rPr>
-              <a:t> k, </a:t>
-            </a:r>
-            <a:r>
-              <a:rPr lang="en-US" b="1" dirty="0">
-                <a:solidFill>
-                  <a:srgbClr val="0000FF"/>
-                </a:solidFill>
-                <a:latin typeface="Courier New" pitchFamily="49" charset="0"/>
-                <a:cs typeface="Courier New" pitchFamily="49" charset="0"/>
-              </a:rPr>
-              <a:t>long</a:t>
-            </a:r>
-            <a:r>
-              <a:rPr lang="en-US" b="1" dirty="0">
-                <a:solidFill>
-                  <a:schemeClr val="tx1"/>
-                </a:solidFill>
-                <a:latin typeface="Courier New" pitchFamily="49" charset="0"/>
-                <a:cs typeface="Courier New" pitchFamily="49" charset="0"/>
-              </a:rPr>
-              <a:t> source, </a:t>
-            </a:r>
-            <a:r>
-              <a:rPr lang="en-US" b="1" dirty="0">
-                <a:solidFill>
-                  <a:srgbClr val="0000FF"/>
-                </a:solidFill>
-                <a:latin typeface="Courier New" pitchFamily="49" charset="0"/>
-                <a:cs typeface="Courier New" pitchFamily="49" charset="0"/>
-              </a:rPr>
-              <a:t>long</a:t>
-            </a:r>
-            <a:r>
-              <a:rPr lang="en-US" b="1" dirty="0">
-                <a:solidFill>
-                  <a:schemeClr val="tx1"/>
-                </a:solidFill>
-                <a:latin typeface="Courier New" pitchFamily="49" charset="0"/>
-                <a:cs typeface="Courier New" pitchFamily="49" charset="0"/>
-              </a:rPr>
-              <a:t> </a:t>
-            </a:r>
-            <a:r>
-              <a:rPr lang="en-US" b="1" dirty="0" err="1">
-                <a:solidFill>
-                  <a:schemeClr val="tx1"/>
-                </a:solidFill>
-                <a:latin typeface="Courier New" pitchFamily="49" charset="0"/>
-                <a:cs typeface="Courier New" pitchFamily="49" charset="0"/>
-              </a:rPr>
-              <a:t>dest</a:t>
-            </a:r>
-            <a:r>
-              <a:rPr lang="en-US" b="1" dirty="0">
-                <a:solidFill>
-                  <a:schemeClr val="tx1"/>
-                </a:solidFill>
-                <a:latin typeface="Courier New" pitchFamily="49" charset="0"/>
-                <a:cs typeface="Courier New" pitchFamily="49" charset="0"/>
-              </a:rPr>
-              <a:t>) {</a:t>
-            </a:r>
-          </a:p>
-          <a:p>
-            <a:pPr>
-              <a:tabLst>
-                <a:tab pos="341313" algn="l"/>
-                <a:tab pos="682625" algn="l"/>
-                <a:tab pos="1023938" algn="l"/>
-                <a:tab pos="1376363" algn="l"/>
-              </a:tabLst>
-              <a:defRPr/>
-            </a:pPr>
-            <a:r>
-              <a:rPr lang="en-US" b="1" dirty="0">
-                <a:solidFill>
-                  <a:schemeClr val="tx1"/>
-                </a:solidFill>
-                <a:latin typeface="Courier New" pitchFamily="49" charset="0"/>
-                <a:cs typeface="Courier New" pitchFamily="49" charset="0"/>
-              </a:rPr>
-              <a:t>  cs1010_print_string(</a:t>
-            </a:r>
-            <a:r>
-              <a:rPr lang="en-US" b="1" dirty="0">
-                <a:solidFill>
-                  <a:srgbClr val="006600"/>
-                </a:solidFill>
-                <a:latin typeface="Courier New" pitchFamily="49" charset="0"/>
-                <a:cs typeface="Courier New" pitchFamily="49" charset="0"/>
-              </a:rPr>
-              <a:t>"Disk "</a:t>
-            </a:r>
-            <a:r>
-              <a:rPr lang="en-US" b="1" dirty="0">
-                <a:solidFill>
-                  <a:schemeClr val="tx1"/>
-                </a:solidFill>
-                <a:latin typeface="Courier New" pitchFamily="49" charset="0"/>
-                <a:cs typeface="Courier New" pitchFamily="49" charset="0"/>
-              </a:rPr>
-              <a:t>);</a:t>
-            </a:r>
-          </a:p>
-          <a:p>
-            <a:pPr>
-              <a:tabLst>
-                <a:tab pos="341313" algn="l"/>
-                <a:tab pos="682625" algn="l"/>
-                <a:tab pos="1023938" algn="l"/>
-                <a:tab pos="1376363" algn="l"/>
-              </a:tabLst>
-              <a:defRPr/>
-            </a:pPr>
-            <a:r>
-              <a:rPr lang="en-US" b="1" dirty="0">
-                <a:solidFill>
-                  <a:schemeClr val="tx1"/>
-                </a:solidFill>
-                <a:latin typeface="Courier New" pitchFamily="49" charset="0"/>
-                <a:cs typeface="Courier New" pitchFamily="49" charset="0"/>
-              </a:rPr>
-              <a:t>  cs1010_print_long(k);</a:t>
-            </a:r>
-          </a:p>
-          <a:p>
-            <a:pPr>
-              <a:tabLst>
-                <a:tab pos="341313" algn="l"/>
-                <a:tab pos="682625" algn="l"/>
-                <a:tab pos="1023938" algn="l"/>
-                <a:tab pos="1376363" algn="l"/>
-              </a:tabLst>
-              <a:defRPr/>
-            </a:pPr>
-            <a:r>
-              <a:rPr lang="en-US" b="1" dirty="0">
-                <a:solidFill>
-                  <a:schemeClr val="tx1"/>
-                </a:solidFill>
-                <a:latin typeface="Courier New" pitchFamily="49" charset="0"/>
-                <a:cs typeface="Courier New" pitchFamily="49" charset="0"/>
-              </a:rPr>
-              <a:t>  cs1010_print_string(</a:t>
-            </a:r>
-            <a:r>
-              <a:rPr lang="en-US" b="1" dirty="0">
-                <a:solidFill>
-                  <a:srgbClr val="006600"/>
-                </a:solidFill>
-                <a:latin typeface="Courier New" pitchFamily="49" charset="0"/>
-                <a:cs typeface="Courier New" pitchFamily="49" charset="0"/>
-              </a:rPr>
-              <a:t>": Peg "</a:t>
-            </a:r>
-            <a:r>
-              <a:rPr lang="en-US" b="1" dirty="0">
-                <a:solidFill>
-                  <a:schemeClr val="tx1"/>
-                </a:solidFill>
-                <a:latin typeface="Courier New" pitchFamily="49" charset="0"/>
-                <a:cs typeface="Courier New" pitchFamily="49" charset="0"/>
-              </a:rPr>
-              <a:t>);</a:t>
-            </a:r>
-          </a:p>
-          <a:p>
-            <a:pPr>
-              <a:tabLst>
-                <a:tab pos="341313" algn="l"/>
-                <a:tab pos="682625" algn="l"/>
-                <a:tab pos="1023938" algn="l"/>
-                <a:tab pos="1376363" algn="l"/>
-              </a:tabLst>
-              <a:defRPr/>
-            </a:pPr>
-            <a:r>
-              <a:rPr lang="en-US" b="1" dirty="0">
-                <a:solidFill>
-                  <a:schemeClr val="tx1"/>
-                </a:solidFill>
-                <a:latin typeface="Courier New" pitchFamily="49" charset="0"/>
-                <a:cs typeface="Courier New" pitchFamily="49" charset="0"/>
-              </a:rPr>
-              <a:t>  cs1010_print_long(source);</a:t>
-            </a:r>
-          </a:p>
-          <a:p>
-            <a:pPr>
-              <a:tabLst>
-                <a:tab pos="341313" algn="l"/>
-                <a:tab pos="682625" algn="l"/>
-                <a:tab pos="1023938" algn="l"/>
-                <a:tab pos="1376363" algn="l"/>
-              </a:tabLst>
-              <a:defRPr/>
-            </a:pPr>
-            <a:r>
-              <a:rPr lang="en-US" b="1" dirty="0">
-                <a:solidFill>
-                  <a:schemeClr val="tx1"/>
-                </a:solidFill>
-                <a:latin typeface="Courier New" pitchFamily="49" charset="0"/>
-                <a:cs typeface="Courier New" pitchFamily="49" charset="0"/>
-              </a:rPr>
-              <a:t>  cs1010_print_string(</a:t>
-            </a:r>
-            <a:r>
-              <a:rPr lang="en-US" b="1" dirty="0">
-                <a:solidFill>
-                  <a:srgbClr val="006600"/>
-                </a:solidFill>
-                <a:latin typeface="Courier New" pitchFamily="49" charset="0"/>
-                <a:cs typeface="Courier New" pitchFamily="49" charset="0"/>
-              </a:rPr>
-              <a:t>" -&gt; Peg "</a:t>
-            </a:r>
-            <a:r>
-              <a:rPr lang="en-US" b="1" dirty="0">
-                <a:solidFill>
-                  <a:schemeClr val="tx1"/>
-                </a:solidFill>
-                <a:latin typeface="Courier New" pitchFamily="49" charset="0"/>
-                <a:cs typeface="Courier New" pitchFamily="49" charset="0"/>
-              </a:rPr>
-              <a:t>);</a:t>
-            </a:r>
-          </a:p>
-          <a:p>
-            <a:pPr>
-              <a:tabLst>
-                <a:tab pos="341313" algn="l"/>
-                <a:tab pos="682625" algn="l"/>
-                <a:tab pos="1023938" algn="l"/>
-                <a:tab pos="1376363" algn="l"/>
-              </a:tabLst>
-              <a:defRPr/>
-            </a:pPr>
-            <a:r>
-              <a:rPr lang="en-US" b="1" dirty="0">
-                <a:solidFill>
-                  <a:schemeClr val="tx1"/>
-                </a:solidFill>
-                <a:latin typeface="Courier New" pitchFamily="49" charset="0"/>
-                <a:cs typeface="Courier New" pitchFamily="49" charset="0"/>
-              </a:rPr>
-              <a:t>  cs1010_print_long(</a:t>
-            </a:r>
-            <a:r>
-              <a:rPr lang="en-US" b="1" dirty="0" err="1">
-                <a:solidFill>
-                  <a:schemeClr val="tx1"/>
-                </a:solidFill>
-                <a:latin typeface="Courier New" pitchFamily="49" charset="0"/>
-                <a:cs typeface="Courier New" pitchFamily="49" charset="0"/>
-              </a:rPr>
-              <a:t>dest</a:t>
-            </a:r>
-            <a:r>
-              <a:rPr lang="en-US" b="1" dirty="0">
-                <a:solidFill>
-                  <a:schemeClr val="tx1"/>
-                </a:solidFill>
-                <a:latin typeface="Courier New" pitchFamily="49" charset="0"/>
-                <a:cs typeface="Courier New" pitchFamily="49" charset="0"/>
-              </a:rPr>
-              <a:t>);</a:t>
-            </a:r>
-          </a:p>
-          <a:p>
-            <a:pPr>
-              <a:tabLst>
-                <a:tab pos="341313" algn="l"/>
-                <a:tab pos="682625" algn="l"/>
-                <a:tab pos="1023938" algn="l"/>
-                <a:tab pos="1376363" algn="l"/>
-              </a:tabLst>
-              <a:defRPr/>
-            </a:pPr>
-            <a:r>
-              <a:rPr lang="en-US" b="1" dirty="0">
-                <a:solidFill>
-                  <a:schemeClr val="tx1"/>
-                </a:solidFill>
-                <a:latin typeface="Courier New" pitchFamily="49" charset="0"/>
-                <a:cs typeface="Courier New" pitchFamily="49" charset="0"/>
-              </a:rPr>
-              <a:t>}</a:t>
-            </a:r>
-          </a:p>
-        </p:txBody>
-      </p:sp>
-    </p:spTree>
-    <p:extLst>
-      <p:ext uri="{BB962C8B-B14F-4D97-AF65-F5344CB8AC3E}">
-        <p14:creationId xmlns:p14="http://schemas.microsoft.com/office/powerpoint/2010/main" val="3569280496"/>
       </p:ext>
     </p:extLst>
   </p:cSld>
@@ -32137,6 +32597,524 @@
                 <a:defRPr/>
               </a:pPr>
               <a:t>27</a:t>
+            </a:fld>
+            <a:endParaRPr sz="1200" dirty="0"/>
+          </a:p>
+        </p:txBody>
+      </p:sp>
+      <p:sp>
+        <p:nvSpPr>
+          <p:cNvPr id="12" name="[Date Placeholder 3]"/>
+          <p:cNvSpPr>
+            <a:spLocks noGrp="1"/>
+          </p:cNvSpPr>
+          <p:nvPr>
+            <p:ph type="dt" sz="half" idx="10"/>
+          </p:nvPr>
+        </p:nvSpPr>
+        <p:spPr>
+          <a:xfrm>
+            <a:off x="457200" y="18288"/>
+            <a:ext cx="2895600" cy="329184"/>
+          </a:xfrm>
+        </p:spPr>
+        <p:txBody>
+          <a:bodyPr/>
+          <a:lstStyle/>
+          <a:p>
+            <a:pPr>
+              <a:defRPr/>
+            </a:pPr>
+            <a:r>
+              <a:rPr lang="en-US" dirty="0"/>
+              <a:t>© NUS</a:t>
+            </a:r>
+          </a:p>
+        </p:txBody>
+      </p:sp>
+      <p:sp>
+        <p:nvSpPr>
+          <p:cNvPr id="10" name="TextBox 9"/>
+          <p:cNvSpPr txBox="1"/>
+          <p:nvPr/>
+        </p:nvSpPr>
+        <p:spPr bwMode="auto">
+          <a:xfrm>
+            <a:off x="609600" y="1192742"/>
+            <a:ext cx="8094133" cy="2308324"/>
+          </a:xfrm>
+          <a:prstGeom prst="rect">
+            <a:avLst/>
+          </a:prstGeom>
+        </p:spPr>
+        <p:style>
+          <a:lnRef idx="2">
+            <a:schemeClr val="accent6"/>
+          </a:lnRef>
+          <a:fillRef idx="1">
+            <a:schemeClr val="lt1"/>
+          </a:fillRef>
+          <a:effectRef idx="0">
+            <a:schemeClr val="accent6"/>
+          </a:effectRef>
+          <a:fontRef idx="minor">
+            <a:schemeClr val="dk1"/>
+          </a:fontRef>
+        </p:style>
+        <p:txBody>
+          <a:bodyPr wrap="square">
+            <a:spAutoFit/>
+          </a:bodyPr>
+          <a:lstStyle/>
+          <a:p>
+            <a:pPr>
+              <a:tabLst>
+                <a:tab pos="341313" algn="l"/>
+                <a:tab pos="682625" algn="l"/>
+                <a:tab pos="1023938" algn="l"/>
+                <a:tab pos="1376363" algn="l"/>
+              </a:tabLst>
+              <a:defRPr/>
+            </a:pPr>
+            <a:r>
+              <a:rPr lang="en-US" b="1" dirty="0">
+                <a:solidFill>
+                  <a:srgbClr val="0000FF"/>
+                </a:solidFill>
+                <a:latin typeface="Courier New" pitchFamily="49" charset="0"/>
+                <a:cs typeface="Courier New" pitchFamily="49" charset="0"/>
+              </a:rPr>
+              <a:t>void</a:t>
+            </a:r>
+            <a:r>
+              <a:rPr lang="en-US" b="1" dirty="0">
+                <a:solidFill>
+                  <a:schemeClr val="tx1"/>
+                </a:solidFill>
+                <a:latin typeface="Courier New" pitchFamily="49" charset="0"/>
+                <a:cs typeface="Courier New" pitchFamily="49" charset="0"/>
+              </a:rPr>
+              <a:t> print(</a:t>
+            </a:r>
+            <a:r>
+              <a:rPr lang="en-US" b="1" dirty="0">
+                <a:solidFill>
+                  <a:srgbClr val="0000FF"/>
+                </a:solidFill>
+                <a:latin typeface="Courier New" pitchFamily="49" charset="0"/>
+                <a:cs typeface="Courier New" pitchFamily="49" charset="0"/>
+              </a:rPr>
+              <a:t>long</a:t>
+            </a:r>
+            <a:r>
+              <a:rPr lang="en-US" b="1" dirty="0">
+                <a:solidFill>
+                  <a:schemeClr val="tx1"/>
+                </a:solidFill>
+                <a:latin typeface="Courier New" pitchFamily="49" charset="0"/>
+                <a:cs typeface="Courier New" pitchFamily="49" charset="0"/>
+              </a:rPr>
+              <a:t> k, </a:t>
+            </a:r>
+            <a:r>
+              <a:rPr lang="en-US" b="1" dirty="0">
+                <a:solidFill>
+                  <a:srgbClr val="0000FF"/>
+                </a:solidFill>
+                <a:latin typeface="Courier New" pitchFamily="49" charset="0"/>
+                <a:cs typeface="Courier New" pitchFamily="49" charset="0"/>
+              </a:rPr>
+              <a:t>long</a:t>
+            </a:r>
+            <a:r>
+              <a:rPr lang="en-US" b="1" dirty="0">
+                <a:solidFill>
+                  <a:schemeClr val="tx1"/>
+                </a:solidFill>
+                <a:latin typeface="Courier New" pitchFamily="49" charset="0"/>
+                <a:cs typeface="Courier New" pitchFamily="49" charset="0"/>
+              </a:rPr>
+              <a:t> source, </a:t>
+            </a:r>
+            <a:r>
+              <a:rPr lang="en-US" b="1" dirty="0">
+                <a:solidFill>
+                  <a:srgbClr val="0000FF"/>
+                </a:solidFill>
+                <a:latin typeface="Courier New" pitchFamily="49" charset="0"/>
+                <a:cs typeface="Courier New" pitchFamily="49" charset="0"/>
+              </a:rPr>
+              <a:t>long</a:t>
+            </a:r>
+            <a:r>
+              <a:rPr lang="en-US" b="1" dirty="0">
+                <a:solidFill>
+                  <a:schemeClr val="tx1"/>
+                </a:solidFill>
+                <a:latin typeface="Courier New" pitchFamily="49" charset="0"/>
+                <a:cs typeface="Courier New" pitchFamily="49" charset="0"/>
+              </a:rPr>
+              <a:t> </a:t>
+            </a:r>
+            <a:r>
+              <a:rPr lang="en-US" b="1" dirty="0" err="1">
+                <a:solidFill>
+                  <a:schemeClr val="tx1"/>
+                </a:solidFill>
+                <a:latin typeface="Courier New" pitchFamily="49" charset="0"/>
+                <a:cs typeface="Courier New" pitchFamily="49" charset="0"/>
+              </a:rPr>
+              <a:t>dest</a:t>
+            </a:r>
+            <a:r>
+              <a:rPr lang="en-US" b="1" dirty="0">
+                <a:solidFill>
+                  <a:schemeClr val="tx1"/>
+                </a:solidFill>
+                <a:latin typeface="Courier New" pitchFamily="49" charset="0"/>
+                <a:cs typeface="Courier New" pitchFamily="49" charset="0"/>
+              </a:rPr>
+              <a:t>) {</a:t>
+            </a:r>
+          </a:p>
+          <a:p>
+            <a:pPr>
+              <a:tabLst>
+                <a:tab pos="341313" algn="l"/>
+                <a:tab pos="682625" algn="l"/>
+                <a:tab pos="1023938" algn="l"/>
+                <a:tab pos="1376363" algn="l"/>
+              </a:tabLst>
+              <a:defRPr/>
+            </a:pPr>
+            <a:r>
+              <a:rPr lang="en-US" b="1" dirty="0">
+                <a:solidFill>
+                  <a:schemeClr val="tx1"/>
+                </a:solidFill>
+                <a:latin typeface="Courier New" pitchFamily="49" charset="0"/>
+                <a:cs typeface="Courier New" pitchFamily="49" charset="0"/>
+              </a:rPr>
+              <a:t>  cs1010_print_string(</a:t>
+            </a:r>
+            <a:r>
+              <a:rPr lang="en-US" b="1" dirty="0">
+                <a:solidFill>
+                  <a:srgbClr val="006600"/>
+                </a:solidFill>
+                <a:latin typeface="Courier New" pitchFamily="49" charset="0"/>
+                <a:cs typeface="Courier New" pitchFamily="49" charset="0"/>
+              </a:rPr>
+              <a:t>"Disk "</a:t>
+            </a:r>
+            <a:r>
+              <a:rPr lang="en-US" b="1" dirty="0">
+                <a:solidFill>
+                  <a:schemeClr val="tx1"/>
+                </a:solidFill>
+                <a:latin typeface="Courier New" pitchFamily="49" charset="0"/>
+                <a:cs typeface="Courier New" pitchFamily="49" charset="0"/>
+              </a:rPr>
+              <a:t>);</a:t>
+            </a:r>
+          </a:p>
+          <a:p>
+            <a:pPr>
+              <a:tabLst>
+                <a:tab pos="341313" algn="l"/>
+                <a:tab pos="682625" algn="l"/>
+                <a:tab pos="1023938" algn="l"/>
+                <a:tab pos="1376363" algn="l"/>
+              </a:tabLst>
+              <a:defRPr/>
+            </a:pPr>
+            <a:r>
+              <a:rPr lang="en-US" b="1" dirty="0">
+                <a:solidFill>
+                  <a:schemeClr val="tx1"/>
+                </a:solidFill>
+                <a:latin typeface="Courier New" pitchFamily="49" charset="0"/>
+                <a:cs typeface="Courier New" pitchFamily="49" charset="0"/>
+              </a:rPr>
+              <a:t>  cs1010_print_long(k);</a:t>
+            </a:r>
+          </a:p>
+          <a:p>
+            <a:pPr>
+              <a:tabLst>
+                <a:tab pos="341313" algn="l"/>
+                <a:tab pos="682625" algn="l"/>
+                <a:tab pos="1023938" algn="l"/>
+                <a:tab pos="1376363" algn="l"/>
+              </a:tabLst>
+              <a:defRPr/>
+            </a:pPr>
+            <a:r>
+              <a:rPr lang="en-US" b="1" dirty="0">
+                <a:solidFill>
+                  <a:schemeClr val="tx1"/>
+                </a:solidFill>
+                <a:latin typeface="Courier New" pitchFamily="49" charset="0"/>
+                <a:cs typeface="Courier New" pitchFamily="49" charset="0"/>
+              </a:rPr>
+              <a:t>  cs1010_print_string(</a:t>
+            </a:r>
+            <a:r>
+              <a:rPr lang="en-US" b="1" dirty="0">
+                <a:solidFill>
+                  <a:srgbClr val="006600"/>
+                </a:solidFill>
+                <a:latin typeface="Courier New" pitchFamily="49" charset="0"/>
+                <a:cs typeface="Courier New" pitchFamily="49" charset="0"/>
+              </a:rPr>
+              <a:t>": Peg "</a:t>
+            </a:r>
+            <a:r>
+              <a:rPr lang="en-US" b="1" dirty="0">
+                <a:solidFill>
+                  <a:schemeClr val="tx1"/>
+                </a:solidFill>
+                <a:latin typeface="Courier New" pitchFamily="49" charset="0"/>
+                <a:cs typeface="Courier New" pitchFamily="49" charset="0"/>
+              </a:rPr>
+              <a:t>);</a:t>
+            </a:r>
+          </a:p>
+          <a:p>
+            <a:pPr>
+              <a:tabLst>
+                <a:tab pos="341313" algn="l"/>
+                <a:tab pos="682625" algn="l"/>
+                <a:tab pos="1023938" algn="l"/>
+                <a:tab pos="1376363" algn="l"/>
+              </a:tabLst>
+              <a:defRPr/>
+            </a:pPr>
+            <a:r>
+              <a:rPr lang="en-US" b="1" dirty="0">
+                <a:solidFill>
+                  <a:schemeClr val="tx1"/>
+                </a:solidFill>
+                <a:latin typeface="Courier New" pitchFamily="49" charset="0"/>
+                <a:cs typeface="Courier New" pitchFamily="49" charset="0"/>
+              </a:rPr>
+              <a:t>  cs1010_print_long(source);</a:t>
+            </a:r>
+          </a:p>
+          <a:p>
+            <a:pPr>
+              <a:tabLst>
+                <a:tab pos="341313" algn="l"/>
+                <a:tab pos="682625" algn="l"/>
+                <a:tab pos="1023938" algn="l"/>
+                <a:tab pos="1376363" algn="l"/>
+              </a:tabLst>
+              <a:defRPr/>
+            </a:pPr>
+            <a:r>
+              <a:rPr lang="en-US" b="1" dirty="0">
+                <a:solidFill>
+                  <a:schemeClr val="tx1"/>
+                </a:solidFill>
+                <a:latin typeface="Courier New" pitchFamily="49" charset="0"/>
+                <a:cs typeface="Courier New" pitchFamily="49" charset="0"/>
+              </a:rPr>
+              <a:t>  cs1010_print_string(</a:t>
+            </a:r>
+            <a:r>
+              <a:rPr lang="en-US" b="1" dirty="0">
+                <a:solidFill>
+                  <a:srgbClr val="006600"/>
+                </a:solidFill>
+                <a:latin typeface="Courier New" pitchFamily="49" charset="0"/>
+                <a:cs typeface="Courier New" pitchFamily="49" charset="0"/>
+              </a:rPr>
+              <a:t>" -&gt; Peg "</a:t>
+            </a:r>
+            <a:r>
+              <a:rPr lang="en-US" b="1" dirty="0">
+                <a:solidFill>
+                  <a:schemeClr val="tx1"/>
+                </a:solidFill>
+                <a:latin typeface="Courier New" pitchFamily="49" charset="0"/>
+                <a:cs typeface="Courier New" pitchFamily="49" charset="0"/>
+              </a:rPr>
+              <a:t>);</a:t>
+            </a:r>
+          </a:p>
+          <a:p>
+            <a:pPr>
+              <a:tabLst>
+                <a:tab pos="341313" algn="l"/>
+                <a:tab pos="682625" algn="l"/>
+                <a:tab pos="1023938" algn="l"/>
+                <a:tab pos="1376363" algn="l"/>
+              </a:tabLst>
+              <a:defRPr/>
+            </a:pPr>
+            <a:r>
+              <a:rPr lang="en-US" b="1" dirty="0">
+                <a:solidFill>
+                  <a:schemeClr val="tx1"/>
+                </a:solidFill>
+                <a:latin typeface="Courier New" pitchFamily="49" charset="0"/>
+                <a:cs typeface="Courier New" pitchFamily="49" charset="0"/>
+              </a:rPr>
+              <a:t>  cs1010_print_long(</a:t>
+            </a:r>
+            <a:r>
+              <a:rPr lang="en-US" b="1" dirty="0" err="1">
+                <a:solidFill>
+                  <a:schemeClr val="tx1"/>
+                </a:solidFill>
+                <a:latin typeface="Courier New" pitchFamily="49" charset="0"/>
+                <a:cs typeface="Courier New" pitchFamily="49" charset="0"/>
+              </a:rPr>
+              <a:t>dest</a:t>
+            </a:r>
+            <a:r>
+              <a:rPr lang="en-US" b="1" dirty="0">
+                <a:solidFill>
+                  <a:schemeClr val="tx1"/>
+                </a:solidFill>
+                <a:latin typeface="Courier New" pitchFamily="49" charset="0"/>
+                <a:cs typeface="Courier New" pitchFamily="49" charset="0"/>
+              </a:rPr>
+              <a:t>);</a:t>
+            </a:r>
+          </a:p>
+          <a:p>
+            <a:pPr>
+              <a:tabLst>
+                <a:tab pos="341313" algn="l"/>
+                <a:tab pos="682625" algn="l"/>
+                <a:tab pos="1023938" algn="l"/>
+                <a:tab pos="1376363" algn="l"/>
+              </a:tabLst>
+              <a:defRPr/>
+            </a:pPr>
+            <a:r>
+              <a:rPr lang="en-US" b="1" dirty="0">
+                <a:solidFill>
+                  <a:schemeClr val="tx1"/>
+                </a:solidFill>
+                <a:latin typeface="Courier New" pitchFamily="49" charset="0"/>
+                <a:cs typeface="Courier New" pitchFamily="49" charset="0"/>
+              </a:rPr>
+              <a:t>}</a:t>
+            </a:r>
+          </a:p>
+        </p:txBody>
+      </p:sp>
+    </p:spTree>
+    <p:extLst>
+      <p:ext uri="{BB962C8B-B14F-4D97-AF65-F5344CB8AC3E}">
+        <p14:creationId xmlns:p14="http://schemas.microsoft.com/office/powerpoint/2010/main" val="3569280496"/>
+      </p:ext>
+    </p:extLst>
+  </p:cSld>
+  <p:clrMapOvr>
+    <a:masterClrMapping/>
+  </p:clrMapOvr>
+  <p:transition>
+    <p:fade/>
+  </p:transition>
+</p:sld>
+</file>
+
+<file path=ppt/slides/slide28.xml><?xml version="1.0" encoding="utf-8"?>
+<p:sld xmlns:a="http://schemas.openxmlformats.org/drawingml/2006/main" xmlns:r="http://schemas.openxmlformats.org/officeDocument/2006/relationships" xmlns:p="http://schemas.openxmlformats.org/presentationml/2006/main">
+  <p:cSld>
+    <p:spTree>
+      <p:nvGrpSpPr>
+        <p:cNvPr id="1" name=""/>
+        <p:cNvGrpSpPr/>
+        <p:nvPr/>
+      </p:nvGrpSpPr>
+      <p:grpSpPr>
+        <a:xfrm>
+          <a:off x="0" y="0"/>
+          <a:ext cx="0" cy="0"/>
+          <a:chOff x="0" y="0"/>
+          <a:chExt cx="0" cy="0"/>
+        </a:xfrm>
+      </p:grpSpPr>
+      <p:sp>
+        <p:nvSpPr>
+          <p:cNvPr id="14338" name="Rectangle 2"/>
+          <p:cNvSpPr>
+            <a:spLocks noGrp="1" noChangeArrowheads="1"/>
+          </p:cNvSpPr>
+          <p:nvPr>
+            <p:ph type="title"/>
+          </p:nvPr>
+        </p:nvSpPr>
+        <p:spPr>
+          <a:xfrm>
+            <a:off x="533400" y="381000"/>
+            <a:ext cx="8382000" cy="838200"/>
+          </a:xfrm>
+        </p:spPr>
+        <p:txBody>
+          <a:bodyPr>
+            <a:normAutofit/>
+          </a:bodyPr>
+          <a:lstStyle/>
+          <a:p>
+            <a:pPr eaLnBrk="1" hangingPunct="1"/>
+            <a:r>
+              <a:rPr lang="en-GB" sz="3600" dirty="0">
+                <a:solidFill>
+                  <a:srgbClr val="0000FF"/>
+                </a:solidFill>
+              </a:rPr>
+              <a:t>Tower Of Hanoi</a:t>
+            </a:r>
+          </a:p>
+        </p:txBody>
+      </p:sp>
+      <p:sp>
+        <p:nvSpPr>
+          <p:cNvPr id="7" name="Slide Number Placeholder 6"/>
+          <p:cNvSpPr>
+            <a:spLocks noGrp="1"/>
+          </p:cNvSpPr>
+          <p:nvPr>
+            <p:ph type="sldNum" sz="quarter" idx="12"/>
+          </p:nvPr>
+        </p:nvSpPr>
+        <p:spPr/>
+        <p:txBody>
+          <a:bodyPr>
+            <a:normAutofit/>
+          </a:bodyPr>
+          <a:lstStyle/>
+          <a:p>
+            <a:pPr>
+              <a:defRPr/>
+            </a:pPr>
+            <a:r>
+              <a:rPr lang="en-US" sz="1200" dirty="0"/>
+              <a:t>Unit25</a:t>
+            </a:r>
+            <a:r>
+              <a:rPr sz="1200" dirty="0"/>
+              <a:t> </a:t>
+            </a:r>
+            <a:r>
+              <a:rPr lang="en-US" sz="1200" dirty="0"/>
+              <a:t>-</a:t>
+            </a:r>
+            <a:r>
+              <a:rPr sz="1200" dirty="0"/>
+              <a:t> </a:t>
+            </a:r>
+            <a:fld id="{F7EC234A-9094-4BB8-9EA4-75ECDA8A365B}" type="slidenum">
+              <a:rPr sz="1200" smtClean="0"/>
+              <a:pPr>
+                <a:defRPr/>
+              </a:pPr>
+              <a:t>28</a:t>
             </a:fld>
             <a:endParaRPr sz="1200" dirty="0"/>
           </a:p>
@@ -35531,7 +36509,7 @@
 </p:sld>
 </file>
 
-<file path=ppt/slides/slide28.xml><?xml version="1.0" encoding="utf-8"?>
+<file path=ppt/slides/slide29.xml><?xml version="1.0" encoding="utf-8"?>
 <p:sld xmlns:a="http://schemas.openxmlformats.org/drawingml/2006/main" xmlns:r="http://schemas.openxmlformats.org/officeDocument/2006/relationships" xmlns:p="http://schemas.openxmlformats.org/presentationml/2006/main">
   <p:cSld>
     <p:spTree>
@@ -35623,7 +36601,7 @@
               <a:pPr>
                 <a:defRPr/>
               </a:pPr>
-              <a:t>28</a:t>
+              <a:t>29</a:t>
             </a:fld>
             <a:endParaRPr sz="1200" dirty="0"/>
           </a:p>
@@ -37713,11 +38691,23 @@
             </a:pPr>
             <a:r>
               <a:rPr lang="en-US" sz="2000" dirty="0"/>
-              <a:t>The other cases can be redefined in terms of problems that are smaller, i.e. closer to the simple cases</a:t>
-            </a:r>
-          </a:p>
-          <a:p>
-            <a:pPr marL="682625" lvl="1" indent="-279400">
+              <a:t>The other cases can be redefined in terms of </a:t>
+            </a:r>
+            <a:r>
+              <a:rPr lang="en-US" dirty="0">
+                <a:solidFill>
+                  <a:srgbClr val="0000FF"/>
+                </a:solidFill>
+              </a:rPr>
+              <a:t>smaller problems of the same type</a:t>
+            </a:r>
+            <a:r>
+              <a:rPr lang="en-US" sz="2000" dirty="0"/>
+              <a:t>, i.e. closer to the simple cases</a:t>
+            </a:r>
+          </a:p>
+          <a:p>
+            <a:pPr marL="956945" lvl="2" indent="-279400">
               <a:spcBef>
                 <a:spcPts val="600"/>
               </a:spcBef>
@@ -37731,7 +38721,7 @@
               <a:buChar char="§"/>
             </a:pPr>
             <a:r>
-              <a:rPr lang="en-US" sz="2000" dirty="0"/>
+              <a:rPr lang="en-US" dirty="0"/>
               <a:t>By applying this redefinition process every time the recursive function is called, eventually the problem is reduced entirely to simple cases, which are relatively easy to solve</a:t>
             </a:r>
           </a:p>
@@ -38009,7 +38999,7 @@
         <p:spPr>
           <a:xfrm>
             <a:off x="427591" y="2833333"/>
-            <a:ext cx="4013780" cy="2062103"/>
+            <a:ext cx="4013780" cy="1815882"/>
           </a:xfrm>
           <a:prstGeom prst="rect">
             <a:avLst/>
@@ -38045,68 +39035,29 @@
             <a:r>
               <a:rPr lang="en-US" sz="1600" b="1" dirty="0">
                 <a:solidFill>
-                  <a:srgbClr val="800000"/>
+                  <a:srgbClr val="0000FF"/>
                 </a:solidFill>
                 <a:latin typeface="Courier New" pitchFamily="49" charset="0"/>
                 <a:cs typeface="Courier New" pitchFamily="49" charset="0"/>
               </a:rPr>
-              <a:t>// Pre-</a:t>
-            </a:r>
-            <a:r>
-              <a:rPr lang="en-US" sz="1600" b="1" dirty="0" err="1">
-                <a:solidFill>
-                  <a:srgbClr val="800000"/>
-                </a:solidFill>
+              <a:t>int</a:t>
+            </a:r>
+            <a:r>
+              <a:rPr lang="en-US" sz="1600" b="1" dirty="0">
                 <a:latin typeface="Courier New" pitchFamily="49" charset="0"/>
                 <a:cs typeface="Courier New" pitchFamily="49" charset="0"/>
               </a:rPr>
-              <a:t>cond</a:t>
+              <a:t> factorial(</a:t>
             </a:r>
             <a:r>
               <a:rPr lang="en-US" sz="1600" b="1" dirty="0">
-                <a:solidFill>
-                  <a:srgbClr val="800000"/>
-                </a:solidFill>
-                <a:latin typeface="Courier New" pitchFamily="49" charset="0"/>
-                <a:cs typeface="Courier New" pitchFamily="49" charset="0"/>
-              </a:rPr>
-              <a:t>: n &gt;= 0</a:t>
-            </a:r>
-          </a:p>
-          <a:p>
-            <a:pPr>
-              <a:tabLst>
-                <a:tab pos="268288" algn="l"/>
-                <a:tab pos="623888" algn="l"/>
-                <a:tab pos="973138" algn="l"/>
-              </a:tabLst>
-            </a:pPr>
-            <a:r>
-              <a:rPr lang="en-US" sz="1600" b="1" dirty="0" err="1">
                 <a:solidFill>
                   <a:srgbClr val="0000FF"/>
                 </a:solidFill>
                 <a:latin typeface="Courier New" pitchFamily="49" charset="0"/>
                 <a:cs typeface="Courier New" pitchFamily="49" charset="0"/>
               </a:rPr>
-              <a:t>int</a:t>
-            </a:r>
-            <a:r>
-              <a:rPr lang="en-US" sz="1600" b="1" dirty="0">
-                <a:latin typeface="Courier New" pitchFamily="49" charset="0"/>
-                <a:cs typeface="Courier New" pitchFamily="49" charset="0"/>
-              </a:rPr>
-              <a:t> factorial(</a:t>
-            </a:r>
-            <a:r>
-              <a:rPr lang="en-US" sz="1600" b="1" dirty="0" err="1">
-                <a:solidFill>
-                  <a:srgbClr val="0000FF"/>
-                </a:solidFill>
-                <a:latin typeface="Courier New" pitchFamily="49" charset="0"/>
-                <a:cs typeface="Courier New" pitchFamily="49" charset="0"/>
-              </a:rPr>
-              <a:t>int</a:t>
+              <a:t>long</a:t>
             </a:r>
             <a:r>
               <a:rPr lang="en-US" sz="1600" b="1" dirty="0">
@@ -38332,7 +39283,7 @@
         <p:spPr>
           <a:xfrm>
             <a:off x="4603351" y="2833333"/>
-            <a:ext cx="4116106" cy="2062103"/>
+            <a:ext cx="4116106" cy="1815882"/>
           </a:xfrm>
           <a:prstGeom prst="rect">
             <a:avLst/>
@@ -38368,68 +39319,29 @@
             <a:r>
               <a:rPr lang="en-US" sz="1600" b="1" dirty="0">
                 <a:solidFill>
-                  <a:srgbClr val="800000"/>
+                  <a:srgbClr val="0000FF"/>
                 </a:solidFill>
                 <a:latin typeface="Courier New" pitchFamily="49" charset="0"/>
                 <a:cs typeface="Courier New" pitchFamily="49" charset="0"/>
               </a:rPr>
-              <a:t>// Pre-</a:t>
-            </a:r>
-            <a:r>
-              <a:rPr lang="en-US" sz="1600" b="1" dirty="0" err="1">
-                <a:solidFill>
-                  <a:srgbClr val="800000"/>
-                </a:solidFill>
+              <a:t>int</a:t>
+            </a:r>
+            <a:r>
+              <a:rPr lang="en-US" sz="1600" b="1" dirty="0">
                 <a:latin typeface="Courier New" pitchFamily="49" charset="0"/>
                 <a:cs typeface="Courier New" pitchFamily="49" charset="0"/>
               </a:rPr>
-              <a:t>cond</a:t>
+              <a:t> fib(</a:t>
             </a:r>
             <a:r>
               <a:rPr lang="en-US" sz="1600" b="1" dirty="0">
-                <a:solidFill>
-                  <a:srgbClr val="800000"/>
-                </a:solidFill>
-                <a:latin typeface="Courier New" pitchFamily="49" charset="0"/>
-                <a:cs typeface="Courier New" pitchFamily="49" charset="0"/>
-              </a:rPr>
-              <a:t>: n &gt;= 0</a:t>
-            </a:r>
-          </a:p>
-          <a:p>
-            <a:pPr>
-              <a:tabLst>
-                <a:tab pos="268288" algn="l"/>
-                <a:tab pos="623888" algn="l"/>
-                <a:tab pos="914400" algn="l"/>
-              </a:tabLst>
-            </a:pPr>
-            <a:r>
-              <a:rPr lang="en-US" sz="1600" b="1" dirty="0" err="1">
                 <a:solidFill>
                   <a:srgbClr val="0000FF"/>
                 </a:solidFill>
                 <a:latin typeface="Courier New" pitchFamily="49" charset="0"/>
                 <a:cs typeface="Courier New" pitchFamily="49" charset="0"/>
               </a:rPr>
-              <a:t>int</a:t>
-            </a:r>
-            <a:r>
-              <a:rPr lang="en-US" sz="1600" b="1" dirty="0">
-                <a:latin typeface="Courier New" pitchFamily="49" charset="0"/>
-                <a:cs typeface="Courier New" pitchFamily="49" charset="0"/>
-              </a:rPr>
-              <a:t> fib(</a:t>
-            </a:r>
-            <a:r>
-              <a:rPr lang="en-US" sz="1600" b="1" dirty="0" err="1">
-                <a:solidFill>
-                  <a:srgbClr val="0000FF"/>
-                </a:solidFill>
-                <a:latin typeface="Courier New" pitchFamily="49" charset="0"/>
-                <a:cs typeface="Courier New" pitchFamily="49" charset="0"/>
-              </a:rPr>
-              <a:t>int</a:t>
+              <a:t>long</a:t>
             </a:r>
             <a:r>
               <a:rPr lang="en-US" sz="1600" b="1" dirty="0">
@@ -38658,7 +39570,7 @@
         </p:nvSpPr>
         <p:spPr bwMode="auto">
           <a:xfrm>
-            <a:off x="1103086" y="3367315"/>
+            <a:off x="1103086" y="3122946"/>
             <a:ext cx="1204685" cy="478972"/>
           </a:xfrm>
           <a:prstGeom prst="rect">
@@ -38722,7 +39634,7 @@
         </p:nvSpPr>
         <p:spPr bwMode="auto">
           <a:xfrm>
-            <a:off x="5250543" y="3367315"/>
+            <a:off x="5250543" y="3122946"/>
             <a:ext cx="1193800" cy="478972"/>
           </a:xfrm>
           <a:prstGeom prst="rect">
@@ -38786,7 +39698,7 @@
         </p:nvSpPr>
         <p:spPr bwMode="auto">
           <a:xfrm>
-            <a:off x="1948542" y="4310742"/>
+            <a:off x="1948542" y="4066373"/>
             <a:ext cx="2253343" cy="304801"/>
           </a:xfrm>
           <a:prstGeom prst="rect">
@@ -38850,7 +39762,7 @@
         </p:nvSpPr>
         <p:spPr bwMode="auto">
           <a:xfrm>
-            <a:off x="6128658" y="4321628"/>
+            <a:off x="6128658" y="4077259"/>
             <a:ext cx="2347686" cy="293915"/>
           </a:xfrm>
           <a:prstGeom prst="rect">
@@ -39448,7 +40360,7 @@
                   <a:srgbClr val="0000FF"/>
                 </a:solidFill>
               </a:rPr>
-              <a:t>4. Thinking Recursively</a:t>
+              <a:t>Thinking Recursively</a:t>
             </a:r>
           </a:p>
         </p:txBody>
@@ -41210,14 +42122,14 @@
               <a:defRPr/>
             </a:pPr>
             <a:r>
-              <a:rPr lang="en-US" sz="2000" b="1" dirty="0" err="1">
+              <a:rPr lang="en-US" sz="2000" b="1" dirty="0">
                 <a:solidFill>
                   <a:srgbClr val="0000FF"/>
                 </a:solidFill>
                 <a:latin typeface="Courier New" pitchFamily="49" charset="0"/>
                 <a:cs typeface="Courier New" pitchFamily="49" charset="0"/>
               </a:rPr>
-              <a:t>int</a:t>
+              <a:t>long</a:t>
             </a:r>
             <a:r>
               <a:rPr lang="en-US" sz="2000" b="1" dirty="0">
@@ -41227,14 +42139,14 @@
               <a:t> sumSq1(</a:t>
             </a:r>
             <a:r>
-              <a:rPr lang="en-US" sz="2000" b="1" dirty="0" err="1">
+              <a:rPr lang="en-US" sz="2000" b="1" dirty="0">
                 <a:solidFill>
                   <a:srgbClr val="0000FF"/>
                 </a:solidFill>
                 <a:latin typeface="Courier New" pitchFamily="49" charset="0"/>
                 <a:cs typeface="Courier New" pitchFamily="49" charset="0"/>
               </a:rPr>
-              <a:t>int</a:t>
+              <a:t>long</a:t>
             </a:r>
             <a:r>
               <a:rPr lang="en-US" sz="2000" b="1" dirty="0">
@@ -41244,14 +42156,14 @@
               <a:t> x, </a:t>
             </a:r>
             <a:r>
-              <a:rPr lang="en-US" sz="2000" b="1" dirty="0" err="1">
+              <a:rPr lang="en-US" sz="2000" b="1" dirty="0">
                 <a:solidFill>
                   <a:srgbClr val="0000FF"/>
                 </a:solidFill>
                 <a:latin typeface="Courier New" pitchFamily="49" charset="0"/>
                 <a:cs typeface="Courier New" pitchFamily="49" charset="0"/>
               </a:rPr>
-              <a:t>int</a:t>
+              <a:t>long</a:t>
             </a:r>
             <a:r>
               <a:rPr lang="en-US" sz="2000" b="1" dirty="0">
@@ -41517,14 +42429,14 @@
               <a:defRPr/>
             </a:pPr>
             <a:r>
-              <a:rPr lang="en-US" sz="2000" b="1" dirty="0" err="1">
+              <a:rPr lang="en-US" sz="2000" b="1" dirty="0">
                 <a:solidFill>
                   <a:srgbClr val="0000FF"/>
                 </a:solidFill>
                 <a:latin typeface="Courier New" pitchFamily="49" charset="0"/>
                 <a:cs typeface="Courier New" pitchFamily="49" charset="0"/>
               </a:rPr>
-              <a:t>int</a:t>
+              <a:t>long</a:t>
             </a:r>
             <a:r>
               <a:rPr lang="en-US" sz="2000" b="1" dirty="0">
@@ -41534,14 +42446,14 @@
               <a:t> sumSq2(</a:t>
             </a:r>
             <a:r>
-              <a:rPr lang="en-US" sz="2000" b="1" dirty="0" err="1">
+              <a:rPr lang="en-US" sz="2000" b="1" dirty="0">
                 <a:solidFill>
                   <a:srgbClr val="0000FF"/>
                 </a:solidFill>
                 <a:latin typeface="Courier New" pitchFamily="49" charset="0"/>
                 <a:cs typeface="Courier New" pitchFamily="49" charset="0"/>
               </a:rPr>
-              <a:t>int</a:t>
+              <a:t>long</a:t>
             </a:r>
             <a:r>
               <a:rPr lang="en-US" sz="2000" b="1" dirty="0">
@@ -41551,14 +42463,14 @@
               <a:t> x, </a:t>
             </a:r>
             <a:r>
-              <a:rPr lang="en-US" sz="2000" b="1" dirty="0" err="1">
+              <a:rPr lang="en-US" sz="2000" b="1" dirty="0">
                 <a:solidFill>
                   <a:srgbClr val="0000FF"/>
                 </a:solidFill>
                 <a:latin typeface="Courier New" pitchFamily="49" charset="0"/>
                 <a:cs typeface="Courier New" pitchFamily="49" charset="0"/>
               </a:rPr>
-              <a:t>int</a:t>
+              <a:t>long</a:t>
             </a:r>
             <a:r>
               <a:rPr lang="en-US" sz="2000" b="1" dirty="0">

--- a/slides/Unit25_Tower of Hanoi.pptx
+++ b/slides/Unit25_Tower of Hanoi.pptx
@@ -204,7 +204,7 @@
 <file path=ppt/revisionInfo.xml><?xml version="1.0" encoding="utf-8"?>
 <p1510:revInfo xmlns:a="http://schemas.openxmlformats.org/drawingml/2006/main" xmlns:r="http://schemas.openxmlformats.org/officeDocument/2006/relationships" xmlns:p1510="http://schemas.microsoft.com/office/powerpoint/2015/10/main">
   <p1510:revLst>
-    <p1510:client id="{CCD631C3-D91E-4641-ACDC-389C8C611FC7}" v="170" dt="2021-03-29T05:05:44.543"/>
+    <p1510:client id="{CCD631C3-D91E-4641-ACDC-389C8C611FC7}" v="172" dt="2021-03-29T07:55:21.167"/>
   </p1510:revLst>
 </p1510:revInfo>
 </file>
@@ -5052,7 +5052,7 @@
   <pc:docChgLst>
     <pc:chgData name="Zhao Jin" userId="cd05a825-544c-438a-9ba1-08e63db50b47" providerId="ADAL" clId="{CCD631C3-D91E-4641-ACDC-389C8C611FC7}"/>
     <pc:docChg chg="undo custSel addSld delSld modSld sldOrd modMainMaster">
-      <pc:chgData name="Zhao Jin" userId="cd05a825-544c-438a-9ba1-08e63db50b47" providerId="ADAL" clId="{CCD631C3-D91E-4641-ACDC-389C8C611FC7}" dt="2021-03-29T05:05:15.143" v="2601" actId="1035"/>
+      <pc:chgData name="Zhao Jin" userId="cd05a825-544c-438a-9ba1-08e63db50b47" providerId="ADAL" clId="{CCD631C3-D91E-4641-ACDC-389C8C611FC7}" dt="2021-03-29T07:55:21.167" v="2603" actId="27636"/>
       <pc:docMkLst>
         <pc:docMk/>
       </pc:docMkLst>
@@ -6462,13 +6462,13 @@
         </pc:spChg>
       </pc:sldChg>
       <pc:sldChg chg="delSp modSp add mod delAnim">
-        <pc:chgData name="Zhao Jin" userId="cd05a825-544c-438a-9ba1-08e63db50b47" providerId="ADAL" clId="{CCD631C3-D91E-4641-ACDC-389C8C611FC7}" dt="2021-03-29T05:02:30.451" v="2444" actId="403"/>
+        <pc:chgData name="Zhao Jin" userId="cd05a825-544c-438a-9ba1-08e63db50b47" providerId="ADAL" clId="{CCD631C3-D91E-4641-ACDC-389C8C611FC7}" dt="2021-03-29T07:55:21.167" v="2603" actId="27636"/>
         <pc:sldMkLst>
           <pc:docMk/>
           <pc:sldMk cId="4000828616" sldId="626"/>
         </pc:sldMkLst>
         <pc:spChg chg="mod">
-          <ac:chgData name="Zhao Jin" userId="cd05a825-544c-438a-9ba1-08e63db50b47" providerId="ADAL" clId="{CCD631C3-D91E-4641-ACDC-389C8C611FC7}" dt="2021-03-29T05:02:30.451" v="2444" actId="403"/>
+          <ac:chgData name="Zhao Jin" userId="cd05a825-544c-438a-9ba1-08e63db50b47" providerId="ADAL" clId="{CCD631C3-D91E-4641-ACDC-389C8C611FC7}" dt="2021-03-29T07:55:21.167" v="2603" actId="27636"/>
           <ac:spMkLst>
             <pc:docMk/>
             <pc:sldMk cId="4000828616" sldId="626"/>
@@ -21453,7 +21453,7 @@
         </p:spPr>
         <p:txBody>
           <a:bodyPr vert="horz" lIns="91440" tIns="45720" rIns="91440" bIns="45720" rtlCol="0">
-            <a:normAutofit fontScale="92500" lnSpcReduction="20000"/>
+            <a:normAutofit fontScale="92500" lnSpcReduction="10000"/>
           </a:bodyPr>
           <a:lstStyle>
             <a:lvl1pPr marL="182880" indent="-182880" algn="l" defTabSz="914400" rtl="0" eaLnBrk="1" latinLnBrk="0" hangingPunct="1">
@@ -21933,34 +21933,6 @@
               <a:rPr lang="en-US" sz="2200" dirty="0"/>
               <a:t>Recursive case: the array minus one row / column</a:t>
             </a:r>
-          </a:p>
-          <a:p>
-            <a:pPr marL="615633" lvl="1" indent="-341313" fontAlgn="auto">
-              <a:spcBef>
-                <a:spcPts val="1200"/>
-              </a:spcBef>
-              <a:spcAft>
-                <a:spcPts val="0"/>
-              </a:spcAft>
-              <a:buClr>
-                <a:schemeClr val="tx1">
-                  <a:lumMod val="90000"/>
-                  <a:lumOff val="10000"/>
-                </a:schemeClr>
-              </a:buClr>
-              <a:buSzPct val="100000"/>
-              <a:buFont typeface="Wingdings" panose="05000000000000000000" pitchFamily="2" charset="2"/>
-              <a:buChar char="§"/>
-            </a:pPr>
-            <a:r>
-              <a:rPr lang="en-US" sz="2200" dirty="0"/>
-              <a:t>Example: </a:t>
-            </a:r>
-            <a:r>
-              <a:rPr lang="en-US" sz="2200" dirty="0" err="1"/>
-              <a:t>nQueens</a:t>
-            </a:r>
-            <a:endParaRPr lang="en-US" sz="2200" dirty="0"/>
           </a:p>
           <a:p>
             <a:pPr marL="615633" lvl="1" indent="-341313" fontAlgn="auto">
